--- a/Vorstellung Sprint 2.pptx
+++ b/Vorstellung Sprint 2.pptx
@@ -4750,7 +4750,7 @@
           <a:p>
             <a:fld id="{59088EAF-6ECA-4616-85EF-35AA19C641F3}" type="datetimeFigureOut">
               <a:rPr lang="de-DE"/>
-              <a:t>11.05.2021</a:t>
+              <a:t>12.05.2021</a:t>
             </a:fld>
             <a:endParaRPr lang="de-DE" dirty="0"/>
           </a:p>
@@ -4915,7 +4915,7 @@
           <a:p>
             <a:fld id="{3ABD2D7A-D230-4F91-BD59-0A39C2703BA8}" type="datetimeFigureOut">
               <a:rPr lang="de-DE" smtClean="0"/>
-              <a:t>11.05.2021</a:t>
+              <a:t>12.05.2021</a:t>
             </a:fld>
             <a:endParaRPr lang="de-DE" dirty="0"/>
           </a:p>
@@ -5506,7 +5506,7 @@
           <a:p>
             <a:fld id="{03F41C87-7AD9-4845-A077-840E4A0F3F06}" type="datetimeFigureOut">
               <a:rPr lang="de-DE" smtClean="0"/>
-              <a:t>11.05.2021</a:t>
+              <a:t>12.05.2021</a:t>
             </a:fld>
             <a:endParaRPr lang="de-DE" dirty="0"/>
           </a:p>
@@ -5696,7 +5696,7 @@
           <a:p>
             <a:fld id="{03F41C87-7AD9-4845-A077-840E4A0F3F06}" type="datetimeFigureOut">
               <a:rPr lang="de-DE" smtClean="0"/>
-              <a:t>11.05.2021</a:t>
+              <a:t>12.05.2021</a:t>
             </a:fld>
             <a:endParaRPr lang="de-DE" dirty="0"/>
           </a:p>
@@ -5883,7 +5883,7 @@
           <a:p>
             <a:fld id="{03F41C87-7AD9-4845-A077-840E4A0F3F06}" type="datetimeFigureOut">
               <a:rPr lang="de-DE" smtClean="0"/>
-              <a:t>11.05.2021</a:t>
+              <a:t>12.05.2021</a:t>
             </a:fld>
             <a:endParaRPr lang="de-DE" dirty="0"/>
           </a:p>
@@ -6162,7 +6162,7 @@
           <a:p>
             <a:fld id="{03F41C87-7AD9-4845-A077-840E4A0F3F06}" type="datetimeFigureOut">
               <a:rPr lang="de-DE" smtClean="0"/>
-              <a:t>11.05.2021</a:t>
+              <a:t>12.05.2021</a:t>
             </a:fld>
             <a:endParaRPr lang="de-DE" dirty="0"/>
           </a:p>
@@ -6463,7 +6463,7 @@
           <a:p>
             <a:fld id="{03F41C87-7AD9-4845-A077-840E4A0F3F06}" type="datetimeFigureOut">
               <a:rPr lang="de-DE" smtClean="0"/>
-              <a:t>11.05.2021</a:t>
+              <a:t>12.05.2021</a:t>
             </a:fld>
             <a:endParaRPr lang="de-DE" dirty="0"/>
           </a:p>
@@ -6916,7 +6916,7 @@
           <a:p>
             <a:fld id="{03F41C87-7AD9-4845-A077-840E4A0F3F06}" type="datetimeFigureOut">
               <a:rPr lang="de-DE" smtClean="0"/>
-              <a:t>11.05.2021</a:t>
+              <a:t>12.05.2021</a:t>
             </a:fld>
             <a:endParaRPr lang="de-DE" dirty="0"/>
           </a:p>
@@ -7045,7 +7045,7 @@
           <a:p>
             <a:fld id="{03F41C87-7AD9-4845-A077-840E4A0F3F06}" type="datetimeFigureOut">
               <a:rPr lang="de-DE" smtClean="0"/>
-              <a:t>11.05.2021</a:t>
+              <a:t>12.05.2021</a:t>
             </a:fld>
             <a:endParaRPr lang="de-DE" dirty="0"/>
           </a:p>
@@ -7160,7 +7160,7 @@
           <a:p>
             <a:fld id="{03F41C87-7AD9-4845-A077-840E4A0F3F06}" type="datetimeFigureOut">
               <a:rPr lang="de-DE" smtClean="0"/>
-              <a:t>11.05.2021</a:t>
+              <a:t>12.05.2021</a:t>
             </a:fld>
             <a:endParaRPr lang="de-DE" dirty="0"/>
           </a:p>
@@ -7480,7 +7480,7 @@
           <a:p>
             <a:fld id="{03F41C87-7AD9-4845-A077-840E4A0F3F06}" type="datetimeFigureOut">
               <a:rPr lang="de-DE" smtClean="0"/>
-              <a:t>11.05.2021</a:t>
+              <a:t>12.05.2021</a:t>
             </a:fld>
             <a:endParaRPr lang="de-DE" dirty="0"/>
           </a:p>
@@ -7787,7 +7787,7 @@
             <a:fld id="{03F41C87-7AD9-4845-A077-840E4A0F3F06}" type="datetimeFigureOut">
               <a:rPr lang="de-DE" smtClean="0"/>
               <a:pPr/>
-              <a:t>11.05.2021</a:t>
+              <a:t>12.05.2021</a:t>
             </a:fld>
             <a:endParaRPr lang="de-DE" dirty="0"/>
           </a:p>
@@ -8021,7 +8021,7 @@
             <a:fld id="{03F41C87-7AD9-4845-A077-840E4A0F3F06}" type="datetimeFigureOut">
               <a:rPr lang="de-DE" smtClean="0"/>
               <a:pPr/>
-              <a:t>11.05.2021</a:t>
+              <a:t>12.05.2021</a:t>
             </a:fld>
             <a:endParaRPr lang="de-DE" dirty="0"/>
           </a:p>
@@ -8868,7 +8868,7 @@
                 <a:ea typeface="+mn-lt"/>
                 <a:cs typeface="+mn-lt"/>
               </a:rPr>
-              <a:t>Berechnung div. Schraubentypen</a:t>
+              <a:t>Berechnung 4 Schraubentypen</a:t>
             </a:r>
           </a:p>
           <a:p>
@@ -9281,8 +9281,12 @@
               <a:buChar char="•"/>
             </a:pPr>
             <a:r>
+              <a:rPr lang="de-DE"/>
+              <a:t>Noch größere </a:t>
+            </a:r>
+            <a:r>
               <a:rPr lang="de-DE" dirty="0"/>
-              <a:t>Noch gr. Produktpalette</a:t>
+              <a:t>Produktpalette</a:t>
             </a:r>
           </a:p>
           <a:p>
@@ -10148,6 +10152,21 @@
 </file>
 
 <file path=customXml/item1.xml><?xml version="1.0" encoding="utf-8"?>
+<?mso-contentType ?>
+<FormTemplates xmlns="http://schemas.microsoft.com/sharepoint/v3/contenttype/forms">
+  <Display>DocumentLibraryForm</Display>
+  <Edit>DocumentLibraryForm</Edit>
+  <New>DocumentLibraryForm</New>
+</FormTemplates>
+</file>
+
+<file path=customXml/item2.xml><?xml version="1.0" encoding="utf-8"?>
+<p:properties xmlns:p="http://schemas.microsoft.com/office/2006/metadata/properties" xmlns:xsi="http://www.w3.org/2001/XMLSchema-instance" xmlns:pc="http://schemas.microsoft.com/office/infopath/2007/PartnerControls">
+  <documentManagement/>
+</p:properties>
+</file>
+
+<file path=customXml/item3.xml><?xml version="1.0" encoding="utf-8"?>
 <ct:contentTypeSchema xmlns:ct="http://schemas.microsoft.com/office/2006/metadata/contentType" xmlns:ma="http://schemas.microsoft.com/office/2006/metadata/properties/metaAttributes" ct:_="" ma:_="" ma:contentTypeName="Document" ma:contentTypeID="0x0101007C1D5F340F01F94FA2FD29A5E6DC872E" ma:contentTypeVersion="0" ma:contentTypeDescription="Create a new document." ma:contentTypeScope="" ma:versionID="f583bd66513a361a730282b6a794e352">
   <xsd:schema xmlns:xsd="http://www.w3.org/2001/XMLSchema" xmlns:xs="http://www.w3.org/2001/XMLSchema" xmlns:p="http://schemas.microsoft.com/office/2006/metadata/properties" targetNamespace="http://schemas.microsoft.com/office/2006/metadata/properties" ma:root="true" ma:fieldsID="6841151cf538834e171094e4faaf2d73">
     <xsd:element name="properties">
@@ -10261,33 +10280,10 @@
 </ct:contentTypeSchema>
 </file>
 
-<file path=customXml/item2.xml><?xml version="1.0" encoding="utf-8"?>
-<p:properties xmlns:p="http://schemas.microsoft.com/office/2006/metadata/properties" xmlns:xsi="http://www.w3.org/2001/XMLSchema-instance" xmlns:pc="http://schemas.microsoft.com/office/infopath/2007/PartnerControls">
-  <documentManagement/>
-</p:properties>
-</file>
-
-<file path=customXml/item3.xml><?xml version="1.0" encoding="utf-8"?>
-<?mso-contentType ?>
-<FormTemplates xmlns="http://schemas.microsoft.com/sharepoint/v3/contenttype/forms">
-  <Display>DocumentLibraryForm</Display>
-  <Edit>DocumentLibraryForm</Edit>
-  <New>DocumentLibraryForm</New>
-</FormTemplates>
-</file>
-
 <file path=customXml/itemProps1.xml><?xml version="1.0" encoding="utf-8"?>
-<ds:datastoreItem xmlns:ds="http://schemas.openxmlformats.org/officeDocument/2006/customXml" ds:itemID="{66A61CCE-2B92-4C9F-B2F8-A258F57499B7}">
+<ds:datastoreItem xmlns:ds="http://schemas.openxmlformats.org/officeDocument/2006/customXml" ds:itemID="{86E64CE5-9A2F-4A86-9018-E796DAC27755}">
   <ds:schemaRefs>
-    <ds:schemaRef ds:uri="http://schemas.microsoft.com/office/2006/metadata/contentType"/>
-    <ds:schemaRef ds:uri="http://schemas.microsoft.com/office/2006/metadata/properties/metaAttributes"/>
-    <ds:schemaRef ds:uri="http://www.w3.org/2001/XMLSchema"/>
-    <ds:schemaRef ds:uri="http://schemas.microsoft.com/office/2006/metadata/properties"/>
-    <ds:schemaRef ds:uri="http://schemas.openxmlformats.org/package/2006/metadata/core-properties"/>
-    <ds:schemaRef ds:uri="http://purl.org/dc/elements/1.1/"/>
-    <ds:schemaRef ds:uri="http://purl.org/dc/terms/"/>
-    <ds:schemaRef ds:uri="http://schemas.microsoft.com/internal/obd"/>
-    <ds:schemaRef ds:uri="http://schemas.microsoft.com/office/infopath/2007/PartnerControls"/>
+    <ds:schemaRef ds:uri="http://schemas.microsoft.com/sharepoint/v3/contenttype/forms"/>
   </ds:schemaRefs>
 </ds:datastoreItem>
 </file>
@@ -10302,9 +10298,17 @@
 </file>
 
 <file path=customXml/itemProps3.xml><?xml version="1.0" encoding="utf-8"?>
-<ds:datastoreItem xmlns:ds="http://schemas.openxmlformats.org/officeDocument/2006/customXml" ds:itemID="{86E64CE5-9A2F-4A86-9018-E796DAC27755}">
+<ds:datastoreItem xmlns:ds="http://schemas.openxmlformats.org/officeDocument/2006/customXml" ds:itemID="{66A61CCE-2B92-4C9F-B2F8-A258F57499B7}">
   <ds:schemaRefs>
-    <ds:schemaRef ds:uri="http://schemas.microsoft.com/sharepoint/v3/contenttype/forms"/>
+    <ds:schemaRef ds:uri="http://schemas.microsoft.com/office/2006/metadata/contentType"/>
+    <ds:schemaRef ds:uri="http://schemas.microsoft.com/office/2006/metadata/properties/metaAttributes"/>
+    <ds:schemaRef ds:uri="http://www.w3.org/2001/XMLSchema"/>
+    <ds:schemaRef ds:uri="http://schemas.microsoft.com/office/2006/metadata/properties"/>
+    <ds:schemaRef ds:uri="http://schemas.openxmlformats.org/package/2006/metadata/core-properties"/>
+    <ds:schemaRef ds:uri="http://purl.org/dc/elements/1.1/"/>
+    <ds:schemaRef ds:uri="http://purl.org/dc/terms/"/>
+    <ds:schemaRef ds:uri="http://schemas.microsoft.com/internal/obd"/>
+    <ds:schemaRef ds:uri="http://schemas.microsoft.com/office/infopath/2007/PartnerControls"/>
   </ds:schemaRefs>
 </ds:datastoreItem>
 </file>
--- a/Vorstellung Sprint 2.pptx
+++ b/Vorstellung Sprint 2.pptx
@@ -1739,7 +1739,7 @@
             <a:rPr lang="de-DE" b="1" noProof="0" dirty="0">
               <a:latin typeface="Corbel"/>
             </a:rPr>
-            <a:t>Gr. Produktpalette</a:t>
+            <a:t>Große Produktpalette</a:t>
           </a:r>
         </a:p>
       </dgm:t>
@@ -2258,7 +2258,7 @@
             <a:rPr lang="de-DE" sz="1500" b="1" kern="1200" noProof="0" dirty="0">
               <a:latin typeface="Corbel"/>
             </a:rPr>
-            <a:t>Gr. Produktpalette</a:t>
+            <a:t>Große Produktpalette</a:t>
           </a:r>
         </a:p>
       </dsp:txBody>
@@ -8734,7 +8734,7 @@
             <p:ph idx="1"/>
             <p:extLst>
               <p:ext uri="{D42A27DB-BD31-4B8C-83A1-F6EECF244321}">
-                <p14:modId xmlns:p14="http://schemas.microsoft.com/office/powerpoint/2010/main" val="2498063020"/>
+                <p14:modId xmlns:p14="http://schemas.microsoft.com/office/powerpoint/2010/main" val="1345134695"/>
               </p:ext>
             </p:extLst>
           </p:nvPr>
@@ -10152,21 +10152,6 @@
 </file>
 
 <file path=customXml/item1.xml><?xml version="1.0" encoding="utf-8"?>
-<?mso-contentType ?>
-<FormTemplates xmlns="http://schemas.microsoft.com/sharepoint/v3/contenttype/forms">
-  <Display>DocumentLibraryForm</Display>
-  <Edit>DocumentLibraryForm</Edit>
-  <New>DocumentLibraryForm</New>
-</FormTemplates>
-</file>
-
-<file path=customXml/item2.xml><?xml version="1.0" encoding="utf-8"?>
-<p:properties xmlns:p="http://schemas.microsoft.com/office/2006/metadata/properties" xmlns:xsi="http://www.w3.org/2001/XMLSchema-instance" xmlns:pc="http://schemas.microsoft.com/office/infopath/2007/PartnerControls">
-  <documentManagement/>
-</p:properties>
-</file>
-
-<file path=customXml/item3.xml><?xml version="1.0" encoding="utf-8"?>
 <ct:contentTypeSchema xmlns:ct="http://schemas.microsoft.com/office/2006/metadata/contentType" xmlns:ma="http://schemas.microsoft.com/office/2006/metadata/properties/metaAttributes" ct:_="" ma:_="" ma:contentTypeName="Document" ma:contentTypeID="0x0101007C1D5F340F01F94FA2FD29A5E6DC872E" ma:contentTypeVersion="0" ma:contentTypeDescription="Create a new document." ma:contentTypeScope="" ma:versionID="f583bd66513a361a730282b6a794e352">
   <xsd:schema xmlns:xsd="http://www.w3.org/2001/XMLSchema" xmlns:xs="http://www.w3.org/2001/XMLSchema" xmlns:p="http://schemas.microsoft.com/office/2006/metadata/properties" targetNamespace="http://schemas.microsoft.com/office/2006/metadata/properties" ma:root="true" ma:fieldsID="6841151cf538834e171094e4faaf2d73">
     <xsd:element name="properties">
@@ -10280,10 +10265,33 @@
 </ct:contentTypeSchema>
 </file>
 
+<file path=customXml/item2.xml><?xml version="1.0" encoding="utf-8"?>
+<p:properties xmlns:p="http://schemas.microsoft.com/office/2006/metadata/properties" xmlns:xsi="http://www.w3.org/2001/XMLSchema-instance" xmlns:pc="http://schemas.microsoft.com/office/infopath/2007/PartnerControls">
+  <documentManagement/>
+</p:properties>
+</file>
+
+<file path=customXml/item3.xml><?xml version="1.0" encoding="utf-8"?>
+<?mso-contentType ?>
+<FormTemplates xmlns="http://schemas.microsoft.com/sharepoint/v3/contenttype/forms">
+  <Display>DocumentLibraryForm</Display>
+  <Edit>DocumentLibraryForm</Edit>
+  <New>DocumentLibraryForm</New>
+</FormTemplates>
+</file>
+
 <file path=customXml/itemProps1.xml><?xml version="1.0" encoding="utf-8"?>
-<ds:datastoreItem xmlns:ds="http://schemas.openxmlformats.org/officeDocument/2006/customXml" ds:itemID="{86E64CE5-9A2F-4A86-9018-E796DAC27755}">
+<ds:datastoreItem xmlns:ds="http://schemas.openxmlformats.org/officeDocument/2006/customXml" ds:itemID="{66A61CCE-2B92-4C9F-B2F8-A258F57499B7}">
   <ds:schemaRefs>
-    <ds:schemaRef ds:uri="http://schemas.microsoft.com/sharepoint/v3/contenttype/forms"/>
+    <ds:schemaRef ds:uri="http://schemas.microsoft.com/office/2006/metadata/contentType"/>
+    <ds:schemaRef ds:uri="http://schemas.microsoft.com/office/2006/metadata/properties/metaAttributes"/>
+    <ds:schemaRef ds:uri="http://www.w3.org/2001/XMLSchema"/>
+    <ds:schemaRef ds:uri="http://schemas.microsoft.com/office/2006/metadata/properties"/>
+    <ds:schemaRef ds:uri="http://schemas.openxmlformats.org/package/2006/metadata/core-properties"/>
+    <ds:schemaRef ds:uri="http://purl.org/dc/elements/1.1/"/>
+    <ds:schemaRef ds:uri="http://purl.org/dc/terms/"/>
+    <ds:schemaRef ds:uri="http://schemas.microsoft.com/internal/obd"/>
+    <ds:schemaRef ds:uri="http://schemas.microsoft.com/office/infopath/2007/PartnerControls"/>
   </ds:schemaRefs>
 </ds:datastoreItem>
 </file>
@@ -10298,17 +10306,9 @@
 </file>
 
 <file path=customXml/itemProps3.xml><?xml version="1.0" encoding="utf-8"?>
-<ds:datastoreItem xmlns:ds="http://schemas.openxmlformats.org/officeDocument/2006/customXml" ds:itemID="{66A61CCE-2B92-4C9F-B2F8-A258F57499B7}">
+<ds:datastoreItem xmlns:ds="http://schemas.openxmlformats.org/officeDocument/2006/customXml" ds:itemID="{86E64CE5-9A2F-4A86-9018-E796DAC27755}">
   <ds:schemaRefs>
-    <ds:schemaRef ds:uri="http://schemas.microsoft.com/office/2006/metadata/contentType"/>
-    <ds:schemaRef ds:uri="http://schemas.microsoft.com/office/2006/metadata/properties/metaAttributes"/>
-    <ds:schemaRef ds:uri="http://www.w3.org/2001/XMLSchema"/>
-    <ds:schemaRef ds:uri="http://schemas.microsoft.com/office/2006/metadata/properties"/>
-    <ds:schemaRef ds:uri="http://schemas.openxmlformats.org/package/2006/metadata/core-properties"/>
-    <ds:schemaRef ds:uri="http://purl.org/dc/elements/1.1/"/>
-    <ds:schemaRef ds:uri="http://purl.org/dc/terms/"/>
-    <ds:schemaRef ds:uri="http://schemas.microsoft.com/internal/obd"/>
-    <ds:schemaRef ds:uri="http://schemas.microsoft.com/office/infopath/2007/PartnerControls"/>
+    <ds:schemaRef ds:uri="http://schemas.microsoft.com/sharepoint/v3/contenttype/forms"/>
   </ds:schemaRefs>
 </ds:datastoreItem>
 </file>
--- a/Vorstellung Sprint 2.pptx
+++ b/Vorstellung Sprint 2.pptx
@@ -1330,100 +1330,6 @@
         </a:p>
       </dgm:t>
     </dgm:pt>
-    <dgm:pt modelId="{AB2E8498-CC81-452F-A895-08F3845AA347}">
-      <dgm:prSet phldrT="[Text]"/>
-      <dgm:spPr/>
-      <dgm:t>
-        <a:bodyPr/>
-        <a:lstStyle/>
-        <a:p>
-          <a:pPr rtl="0"/>
-          <a:r>
-            <a:rPr lang="de-DE" b="1" noProof="0" dirty="0">
-              <a:solidFill>
-                <a:srgbClr val="FF0000"/>
-              </a:solidFill>
-              <a:latin typeface="Corbel"/>
-            </a:rPr>
-            <a:t>Graphische Oberfläche</a:t>
-          </a:r>
-          <a:endParaRPr lang="de-DE" b="1" noProof="0" dirty="0">
-            <a:solidFill>
-              <a:srgbClr val="FF0000"/>
-            </a:solidFill>
-          </a:endParaRPr>
-        </a:p>
-      </dgm:t>
-    </dgm:pt>
-    <dgm:pt modelId="{4C65E2C8-0CBB-4D8C-AD60-6B0105C62B84}" type="parTrans" cxnId="{2D5B3E3B-3EE5-4072-933E-27DF5400591C}">
-      <dgm:prSet/>
-      <dgm:spPr/>
-      <dgm:t>
-        <a:bodyPr/>
-        <a:lstStyle/>
-        <a:p>
-          <a:endParaRPr lang="de-DE"/>
-        </a:p>
-      </dgm:t>
-    </dgm:pt>
-    <dgm:pt modelId="{9A1F3304-AA9E-4FBC-89BA-9095C80E47C9}" type="sibTrans" cxnId="{2D5B3E3B-3EE5-4072-933E-27DF5400591C}">
-      <dgm:prSet/>
-      <dgm:spPr/>
-      <dgm:t>
-        <a:bodyPr/>
-        <a:lstStyle/>
-        <a:p>
-          <a:endParaRPr lang="de-DE"/>
-        </a:p>
-      </dgm:t>
-    </dgm:pt>
-    <dgm:pt modelId="{BF381BD4-48DC-48BF-8C18-C307CDD4D490}">
-      <dgm:prSet phldrT="[Text]" phldr="0"/>
-      <dgm:spPr/>
-      <dgm:t>
-        <a:bodyPr/>
-        <a:lstStyle/>
-        <a:p>
-          <a:pPr rtl="0"/>
-          <a:r>
-            <a:rPr lang="de-DE" b="1" noProof="0" dirty="0">
-              <a:solidFill>
-                <a:srgbClr val="FF0000"/>
-              </a:solidFill>
-              <a:latin typeface="Corbel"/>
-            </a:rPr>
-            <a:t>Erweiterte Kontrollstrukturen</a:t>
-          </a:r>
-          <a:endParaRPr lang="de-DE" b="1" noProof="0" dirty="0">
-            <a:solidFill>
-              <a:srgbClr val="FF0000"/>
-            </a:solidFill>
-          </a:endParaRPr>
-        </a:p>
-      </dgm:t>
-    </dgm:pt>
-    <dgm:pt modelId="{5D881325-883F-44A1-A5FB-E01856D07A5B}" type="parTrans" cxnId="{5F9EDECD-FB20-4615-B5EC-47255B2B532F}">
-      <dgm:prSet/>
-      <dgm:spPr/>
-      <dgm:t>
-        <a:bodyPr/>
-        <a:lstStyle/>
-        <a:p>
-          <a:endParaRPr lang="de-DE"/>
-        </a:p>
-      </dgm:t>
-    </dgm:pt>
-    <dgm:pt modelId="{2C645F98-BC4B-4797-BC42-0872EA7B0575}" type="sibTrans" cxnId="{5F9EDECD-FB20-4615-B5EC-47255B2B532F}">
-      <dgm:prSet/>
-      <dgm:spPr/>
-      <dgm:t>
-        <a:bodyPr/>
-        <a:lstStyle/>
-        <a:p>
-          <a:endParaRPr lang="de-DE"/>
-        </a:p>
-      </dgm:t>
-    </dgm:pt>
     <dgm:pt modelId="{F6D27D1B-CDCB-481F-B8FA-AB31B2A119DE}">
       <dgm:prSet phldrT="[Text]" phldr="0"/>
       <dgm:spPr/>
@@ -1677,81 +1583,6 @@
         </a:p>
       </dgm:t>
     </dgm:pt>
-    <dgm:pt modelId="{A1C4A85C-41A1-4797-8313-41E60001A823}">
-      <dgm:prSet phldr="0"/>
-      <dgm:spPr/>
-      <dgm:t>
-        <a:bodyPr/>
-        <a:lstStyle/>
-        <a:p>
-          <a:pPr rtl="0"/>
-          <a:r>
-            <a:rPr lang="de-DE" b="1" noProof="0" dirty="0">
-              <a:latin typeface="Corbel"/>
-            </a:rPr>
-            <a:t>Angepasste Skizzen</a:t>
-          </a:r>
-        </a:p>
-      </dgm:t>
-    </dgm:pt>
-    <dgm:pt modelId="{358AA3C9-979E-4D35-B3D2-A73E6C5BEB4C}" type="parTrans" cxnId="{84BC64B6-0DAA-4C61-80CB-D821B70E6DB1}">
-      <dgm:prSet/>
-      <dgm:spPr/>
-    </dgm:pt>
-    <dgm:pt modelId="{A2AE5DAB-C0DF-4000-B77E-E67AB4664546}" type="sibTrans" cxnId="{84BC64B6-0DAA-4C61-80CB-D821B70E6DB1}">
-      <dgm:prSet/>
-      <dgm:spPr/>
-    </dgm:pt>
-    <dgm:pt modelId="{C4EA93CE-3FAB-431B-9058-6429E755BA24}">
-      <dgm:prSet phldr="0"/>
-      <dgm:spPr/>
-      <dgm:t>
-        <a:bodyPr/>
-        <a:lstStyle/>
-        <a:p>
-          <a:pPr rtl="0"/>
-          <a:r>
-            <a:rPr lang="de-DE" b="1" noProof="0" dirty="0">
-              <a:latin typeface="Corbel"/>
-            </a:rPr>
-            <a:t>Logo </a:t>
-          </a:r>
-        </a:p>
-      </dgm:t>
-    </dgm:pt>
-    <dgm:pt modelId="{80B80FF0-EF5A-4ADF-991C-48D29884C0D5}" type="parTrans" cxnId="{88F60CEA-8EA8-4FF2-A4D6-C0AE09F05653}">
-      <dgm:prSet/>
-      <dgm:spPr/>
-    </dgm:pt>
-    <dgm:pt modelId="{4D5E9C0B-1112-44EE-9305-C6EC529363B9}" type="sibTrans" cxnId="{88F60CEA-8EA8-4FF2-A4D6-C0AE09F05653}">
-      <dgm:prSet/>
-      <dgm:spPr/>
-    </dgm:pt>
-    <dgm:pt modelId="{443187D2-327A-490C-B08A-5E106831FAD7}">
-      <dgm:prSet phldr="0"/>
-      <dgm:spPr/>
-      <dgm:t>
-        <a:bodyPr/>
-        <a:lstStyle/>
-        <a:p>
-          <a:pPr rtl="0"/>
-          <a:r>
-            <a:rPr lang="de-DE" b="1" noProof="0" dirty="0">
-              <a:latin typeface="Corbel"/>
-            </a:rPr>
-            <a:t>Große Produktpalette</a:t>
-          </a:r>
-        </a:p>
-      </dgm:t>
-    </dgm:pt>
-    <dgm:pt modelId="{92C703CE-91D6-4337-B457-4F44168840DC}" type="parTrans" cxnId="{8BBCB4EE-B29F-4D29-B3A3-375FE964D138}">
-      <dgm:prSet/>
-      <dgm:spPr/>
-    </dgm:pt>
-    <dgm:pt modelId="{A54937EA-0026-4F5E-BA80-F0BE3557165A}" type="sibTrans" cxnId="{8BBCB4EE-B29F-4D29-B3A3-375FE964D138}">
-      <dgm:prSet/>
-      <dgm:spPr/>
-    </dgm:pt>
     <dgm:pt modelId="{785C3AF7-C28E-4C41-93A9-CEB7D7A868D8}">
       <dgm:prSet phldr="0"/>
       <dgm:spPr/>
@@ -1772,10 +1603,24 @@
     <dgm:pt modelId="{94D9BC22-C756-4872-BF57-50E9E263F671}" type="parTrans" cxnId="{19D9A14B-BEF1-4EEE-8872-8954FDA81B66}">
       <dgm:prSet/>
       <dgm:spPr/>
+      <dgm:t>
+        <a:bodyPr/>
+        <a:lstStyle/>
+        <a:p>
+          <a:endParaRPr lang="de-DE"/>
+        </a:p>
+      </dgm:t>
     </dgm:pt>
     <dgm:pt modelId="{FD2EE6FB-A5C6-41DF-9E56-34FEC45D2F39}" type="sibTrans" cxnId="{19D9A14B-BEF1-4EEE-8872-8954FDA81B66}">
       <dgm:prSet/>
       <dgm:spPr/>
+      <dgm:t>
+        <a:bodyPr/>
+        <a:lstStyle/>
+        <a:p>
+          <a:endParaRPr lang="de-DE"/>
+        </a:p>
+      </dgm:t>
     </dgm:pt>
     <dgm:pt modelId="{DB825531-C376-4274-B8E5-CEA0D2E24050}">
       <dgm:prSet phldr="0"/>
@@ -1799,10 +1644,24 @@
     <dgm:pt modelId="{20B6E64E-E5CE-4E50-83CA-0CAED8C0BF68}" type="parTrans" cxnId="{451F7AAA-E920-454C-848B-1D81F6DCEDDD}">
       <dgm:prSet/>
       <dgm:spPr/>
+      <dgm:t>
+        <a:bodyPr/>
+        <a:lstStyle/>
+        <a:p>
+          <a:endParaRPr lang="de-DE"/>
+        </a:p>
+      </dgm:t>
     </dgm:pt>
     <dgm:pt modelId="{6BDA300F-19BA-4A90-9A93-B43DA565DC87}" type="sibTrans" cxnId="{451F7AAA-E920-454C-848B-1D81F6DCEDDD}">
       <dgm:prSet/>
       <dgm:spPr/>
+      <dgm:t>
+        <a:bodyPr/>
+        <a:lstStyle/>
+        <a:p>
+          <a:endParaRPr lang="de-DE"/>
+        </a:p>
+      </dgm:t>
     </dgm:pt>
     <dgm:pt modelId="{FFE3633C-F4C4-471D-A2ED-F23F2B8EC644}">
       <dgm:prSet phldr="0"/>
@@ -1827,10 +1686,24 @@
     <dgm:pt modelId="{C5FCAEA8-D25B-48A3-9F71-D755132AF2EC}" type="parTrans" cxnId="{F3F19C00-BAB4-48D2-8305-69D6DC9E6274}">
       <dgm:prSet/>
       <dgm:spPr/>
+      <dgm:t>
+        <a:bodyPr/>
+        <a:lstStyle/>
+        <a:p>
+          <a:endParaRPr lang="de-DE"/>
+        </a:p>
+      </dgm:t>
     </dgm:pt>
     <dgm:pt modelId="{2321E02F-7DD8-46D4-B73E-0F190B3BBB51}" type="sibTrans" cxnId="{F3F19C00-BAB4-48D2-8305-69D6DC9E6274}">
       <dgm:prSet/>
       <dgm:spPr/>
+      <dgm:t>
+        <a:bodyPr/>
+        <a:lstStyle/>
+        <a:p>
+          <a:endParaRPr lang="de-DE"/>
+        </a:p>
+      </dgm:t>
     </dgm:pt>
     <dgm:pt modelId="{870A677C-2894-4DB5-9B1F-9681C2A097D8}">
       <dgm:prSet phldr="0"/>
@@ -1851,10 +1724,306 @@
     <dgm:pt modelId="{9D484DB5-7548-44BD-89A5-FDF0064CDED1}" type="parTrans" cxnId="{A2DC5BA1-7F74-4A4F-AE48-B4192185511E}">
       <dgm:prSet/>
       <dgm:spPr/>
+      <dgm:t>
+        <a:bodyPr/>
+        <a:lstStyle/>
+        <a:p>
+          <a:endParaRPr lang="de-DE"/>
+        </a:p>
+      </dgm:t>
     </dgm:pt>
     <dgm:pt modelId="{428EBC0F-50C1-4F82-84FF-9B64CC968284}" type="sibTrans" cxnId="{A2DC5BA1-7F74-4A4F-AE48-B4192185511E}">
       <dgm:prSet/>
       <dgm:spPr/>
+      <dgm:t>
+        <a:bodyPr/>
+        <a:lstStyle/>
+        <a:p>
+          <a:endParaRPr lang="de-DE"/>
+        </a:p>
+      </dgm:t>
+    </dgm:pt>
+    <dgm:pt modelId="{AB2E8498-CC81-452F-A895-08F3845AA347}">
+      <dgm:prSet phldrT="[Text]"/>
+      <dgm:spPr/>
+      <dgm:t>
+        <a:bodyPr/>
+        <a:lstStyle/>
+        <a:p>
+          <a:pPr rtl="0"/>
+          <a:r>
+            <a:rPr lang="de-DE" b="1" dirty="0">
+              <a:solidFill>
+                <a:srgbClr val="FF0000"/>
+              </a:solidFill>
+            </a:rPr>
+            <a:t>Catia V5 API</a:t>
+          </a:r>
+          <a:endParaRPr lang="de-DE" b="1" noProof="0" dirty="0">
+            <a:solidFill>
+              <a:srgbClr val="FF0000"/>
+            </a:solidFill>
+          </a:endParaRPr>
+        </a:p>
+      </dgm:t>
+    </dgm:pt>
+    <dgm:pt modelId="{9A1F3304-AA9E-4FBC-89BA-9095C80E47C9}" type="sibTrans" cxnId="{2D5B3E3B-3EE5-4072-933E-27DF5400591C}">
+      <dgm:prSet/>
+      <dgm:spPr/>
+      <dgm:t>
+        <a:bodyPr/>
+        <a:lstStyle/>
+        <a:p>
+          <a:endParaRPr lang="de-DE"/>
+        </a:p>
+      </dgm:t>
+    </dgm:pt>
+    <dgm:pt modelId="{4C65E2C8-0CBB-4D8C-AD60-6B0105C62B84}" type="parTrans" cxnId="{2D5B3E3B-3EE5-4072-933E-27DF5400591C}">
+      <dgm:prSet/>
+      <dgm:spPr/>
+      <dgm:t>
+        <a:bodyPr/>
+        <a:lstStyle/>
+        <a:p>
+          <a:endParaRPr lang="de-DE"/>
+        </a:p>
+      </dgm:t>
+    </dgm:pt>
+    <dgm:pt modelId="{BF381BD4-48DC-48BF-8C18-C307CDD4D490}">
+      <dgm:prSet phldrT="[Text]" phldr="0"/>
+      <dgm:spPr/>
+      <dgm:t>
+        <a:bodyPr/>
+        <a:lstStyle/>
+        <a:p>
+          <a:pPr rtl="0"/>
+          <a:r>
+            <a:rPr lang="de-DE" b="1" noProof="0" dirty="0">
+              <a:solidFill>
+                <a:srgbClr val="FF0000"/>
+              </a:solidFill>
+            </a:rPr>
+            <a:t>CAT-Part</a:t>
+          </a:r>
+        </a:p>
+      </dgm:t>
+    </dgm:pt>
+    <dgm:pt modelId="{2C645F98-BC4B-4797-BC42-0872EA7B0575}" type="sibTrans" cxnId="{5F9EDECD-FB20-4615-B5EC-47255B2B532F}">
+      <dgm:prSet/>
+      <dgm:spPr/>
+      <dgm:t>
+        <a:bodyPr/>
+        <a:lstStyle/>
+        <a:p>
+          <a:endParaRPr lang="de-DE"/>
+        </a:p>
+      </dgm:t>
+    </dgm:pt>
+    <dgm:pt modelId="{5D881325-883F-44A1-A5FB-E01856D07A5B}" type="parTrans" cxnId="{5F9EDECD-FB20-4615-B5EC-47255B2B532F}">
+      <dgm:prSet/>
+      <dgm:spPr/>
+      <dgm:t>
+        <a:bodyPr/>
+        <a:lstStyle/>
+        <a:p>
+          <a:endParaRPr lang="de-DE"/>
+        </a:p>
+      </dgm:t>
+    </dgm:pt>
+    <dgm:pt modelId="{A1C4A85C-41A1-4797-8313-41E60001A823}">
+      <dgm:prSet phldr="0"/>
+      <dgm:spPr/>
+      <dgm:t>
+        <a:bodyPr/>
+        <a:lstStyle/>
+        <a:p>
+          <a:pPr rtl="0"/>
+          <a:endParaRPr lang="de-DE" b="1" noProof="0" dirty="0">
+            <a:latin typeface="Corbel"/>
+          </a:endParaRPr>
+        </a:p>
+      </dgm:t>
+    </dgm:pt>
+    <dgm:pt modelId="{A2AE5DAB-C0DF-4000-B77E-E67AB4664546}" type="sibTrans" cxnId="{84BC64B6-0DAA-4C61-80CB-D821B70E6DB1}">
+      <dgm:prSet/>
+      <dgm:spPr/>
+      <dgm:t>
+        <a:bodyPr/>
+        <a:lstStyle/>
+        <a:p>
+          <a:endParaRPr lang="de-DE"/>
+        </a:p>
+      </dgm:t>
+    </dgm:pt>
+    <dgm:pt modelId="{358AA3C9-979E-4D35-B3D2-A73E6C5BEB4C}" type="parTrans" cxnId="{84BC64B6-0DAA-4C61-80CB-D821B70E6DB1}">
+      <dgm:prSet/>
+      <dgm:spPr/>
+      <dgm:t>
+        <a:bodyPr/>
+        <a:lstStyle/>
+        <a:p>
+          <a:endParaRPr lang="de-DE"/>
+        </a:p>
+      </dgm:t>
+    </dgm:pt>
+    <dgm:pt modelId="{443187D2-327A-490C-B08A-5E106831FAD7}">
+      <dgm:prSet phldr="0"/>
+      <dgm:spPr/>
+      <dgm:t>
+        <a:bodyPr/>
+        <a:lstStyle/>
+        <a:p>
+          <a:pPr rtl="0"/>
+          <a:endParaRPr lang="de-DE" b="1" noProof="0" dirty="0">
+            <a:latin typeface="Corbel"/>
+          </a:endParaRPr>
+        </a:p>
+      </dgm:t>
+    </dgm:pt>
+    <dgm:pt modelId="{A54937EA-0026-4F5E-BA80-F0BE3557165A}" type="sibTrans" cxnId="{8BBCB4EE-B29F-4D29-B3A3-375FE964D138}">
+      <dgm:prSet/>
+      <dgm:spPr/>
+      <dgm:t>
+        <a:bodyPr/>
+        <a:lstStyle/>
+        <a:p>
+          <a:endParaRPr lang="de-DE"/>
+        </a:p>
+      </dgm:t>
+    </dgm:pt>
+    <dgm:pt modelId="{92C703CE-91D6-4337-B457-4F44168840DC}" type="parTrans" cxnId="{8BBCB4EE-B29F-4D29-B3A3-375FE964D138}">
+      <dgm:prSet/>
+      <dgm:spPr/>
+      <dgm:t>
+        <a:bodyPr/>
+        <a:lstStyle/>
+        <a:p>
+          <a:endParaRPr lang="de-DE"/>
+        </a:p>
+      </dgm:t>
+    </dgm:pt>
+    <dgm:pt modelId="{DC6FD7D3-DD78-4D0A-9961-7DCE45ADCA40}">
+      <dgm:prSet phldrT="[Text]" phldr="0"/>
+      <dgm:spPr/>
+      <dgm:t>
+        <a:bodyPr/>
+        <a:lstStyle/>
+        <a:p>
+          <a:pPr rtl="0"/>
+          <a:r>
+            <a:rPr lang="de-DE" b="1" noProof="0" dirty="0">
+              <a:solidFill>
+                <a:srgbClr val="FF0000"/>
+              </a:solidFill>
+            </a:rPr>
+            <a:t>Design</a:t>
+          </a:r>
+        </a:p>
+      </dgm:t>
+    </dgm:pt>
+    <dgm:pt modelId="{1F6BF483-90A7-4C73-87B1-917687DBA86C}" type="parTrans" cxnId="{AA30B188-89A8-4C6C-8C4A-8F435085F85F}">
+      <dgm:prSet/>
+      <dgm:spPr/>
+      <dgm:t>
+        <a:bodyPr/>
+        <a:lstStyle/>
+        <a:p>
+          <a:endParaRPr lang="de-DE"/>
+        </a:p>
+      </dgm:t>
+    </dgm:pt>
+    <dgm:pt modelId="{646058A8-AD27-447E-8213-8F793A324800}" type="sibTrans" cxnId="{AA30B188-89A8-4C6C-8C4A-8F435085F85F}">
+      <dgm:prSet/>
+      <dgm:spPr/>
+      <dgm:t>
+        <a:bodyPr/>
+        <a:lstStyle/>
+        <a:p>
+          <a:endParaRPr lang="de-DE"/>
+        </a:p>
+      </dgm:t>
+    </dgm:pt>
+    <dgm:pt modelId="{C326B51D-A498-4004-B862-002E1CAF7609}">
+      <dgm:prSet phldrT="[Text]" phldr="0"/>
+      <dgm:spPr/>
+      <dgm:t>
+        <a:bodyPr/>
+        <a:lstStyle/>
+        <a:p>
+          <a:pPr rtl="0"/>
+          <a:r>
+            <a:rPr lang="de-DE" b="1" noProof="0" dirty="0">
+              <a:solidFill>
+                <a:schemeClr val="bg1"/>
+              </a:solidFill>
+            </a:rPr>
+            <a:t>Bedienerfreundlich</a:t>
+          </a:r>
+        </a:p>
+      </dgm:t>
+    </dgm:pt>
+    <dgm:pt modelId="{59E5C254-0AA1-4F5C-A4B7-E4171309D209}" type="parTrans" cxnId="{142BAA03-1A07-4A29-8421-F19423AF32F4}">
+      <dgm:prSet/>
+      <dgm:spPr/>
+      <dgm:t>
+        <a:bodyPr/>
+        <a:lstStyle/>
+        <a:p>
+          <a:endParaRPr lang="de-DE"/>
+        </a:p>
+      </dgm:t>
+    </dgm:pt>
+    <dgm:pt modelId="{3EDF17BF-FAEB-4273-B14A-335117B64A99}" type="sibTrans" cxnId="{142BAA03-1A07-4A29-8421-F19423AF32F4}">
+      <dgm:prSet/>
+      <dgm:spPr/>
+      <dgm:t>
+        <a:bodyPr/>
+        <a:lstStyle/>
+        <a:p>
+          <a:endParaRPr lang="de-DE"/>
+        </a:p>
+      </dgm:t>
+    </dgm:pt>
+    <dgm:pt modelId="{A0C45ED4-74B3-40A3-A905-2305E3230967}">
+      <dgm:prSet phldrT="[Text]" phldr="0"/>
+      <dgm:spPr/>
+      <dgm:t>
+        <a:bodyPr/>
+        <a:lstStyle/>
+        <a:p>
+          <a:pPr rtl="0"/>
+          <a:r>
+            <a:rPr lang="de-DE" b="1" noProof="0" dirty="0">
+              <a:solidFill>
+                <a:schemeClr val="bg1"/>
+              </a:solidFill>
+            </a:rPr>
+            <a:t>Arbeitserleichternd</a:t>
+          </a:r>
+        </a:p>
+      </dgm:t>
+    </dgm:pt>
+    <dgm:pt modelId="{FE5F8B9D-1A28-49A5-91CC-5E05A285B36B}" type="parTrans" cxnId="{05F498DC-DD19-4362-976F-50214FF80C4A}">
+      <dgm:prSet/>
+      <dgm:spPr/>
+      <dgm:t>
+        <a:bodyPr/>
+        <a:lstStyle/>
+        <a:p>
+          <a:endParaRPr lang="de-DE"/>
+        </a:p>
+      </dgm:t>
+    </dgm:pt>
+    <dgm:pt modelId="{B6BBF634-5DA6-4B2F-A82B-7A3D086BC7F7}" type="sibTrans" cxnId="{05F498DC-DD19-4362-976F-50214FF80C4A}">
+      <dgm:prSet/>
+      <dgm:spPr/>
+      <dgm:t>
+        <a:bodyPr/>
+        <a:lstStyle/>
+        <a:p>
+          <a:endParaRPr lang="de-DE"/>
+        </a:p>
+      </dgm:t>
     </dgm:pt>
     <dgm:pt modelId="{3960CFF8-4383-4382-8D6D-F2A00F508E8D}" type="pres">
       <dgm:prSet presAssocID="{0E9DE493-19D7-4EC9-97C9-5F26233F1106}" presName="Name0" presStyleCnt="0">
@@ -1887,7 +2056,7 @@
       <dgm:spPr/>
     </dgm:pt>
     <dgm:pt modelId="{96015622-8A46-45CF-A72A-2856B699B374}" type="pres">
-      <dgm:prSet presAssocID="{FB986F71-3126-4196-BD30-74AEDC39A1CA}" presName="childNode1" presStyleLbl="bgAcc1" presStyleIdx="0" presStyleCnt="3">
+      <dgm:prSet presAssocID="{FB986F71-3126-4196-BD30-74AEDC39A1CA}" presName="childNode1" presStyleLbl="bgAcc1" presStyleIdx="0" presStyleCnt="3" custLinFactNeighborX="-20185" custLinFactNeighborY="869">
         <dgm:presLayoutVars>
           <dgm:bulletEnabled val="1"/>
         </dgm:presLayoutVars>
@@ -2000,21 +2169,23 @@
   </dgm:ptLst>
   <dgm:cxnLst>
     <dgm:cxn modelId="{F3F19C00-BAB4-48D2-8305-69D6DC9E6274}" srcId="{58828492-5CEF-4AFE-95CB-5D7E6A18158B}" destId="{FFE3633C-F4C4-471D-A2ED-F23F2B8EC644}" srcOrd="3" destOrd="0" parTransId="{C5FCAEA8-D25B-48A3-9F71-D755132AF2EC}" sibTransId="{2321E02F-7DD8-46D4-B73E-0F190B3BBB51}"/>
+    <dgm:cxn modelId="{74334801-0A44-4DED-B51D-BD76BFEE2EB7}" type="presOf" srcId="{C326B51D-A498-4004-B862-002E1CAF7609}" destId="{BFE859F2-A9E8-4F95-9161-8EC68F2D30C4}" srcOrd="1" destOrd="3" presId="urn:microsoft.com/office/officeart/2005/8/layout/hProcess4"/>
+    <dgm:cxn modelId="{142BAA03-1A07-4A29-8421-F19423AF32F4}" srcId="{FB986F71-3126-4196-BD30-74AEDC39A1CA}" destId="{C326B51D-A498-4004-B862-002E1CAF7609}" srcOrd="3" destOrd="0" parTransId="{59E5C254-0AA1-4F5C-A4B7-E4171309D209}" sibTransId="{3EDF17BF-FAEB-4273-B14A-335117B64A99}"/>
     <dgm:cxn modelId="{61D94E05-93E9-4D26-B8E3-AD678E1DA95B}" type="presOf" srcId="{AB2E8498-CC81-452F-A895-08F3845AA347}" destId="{96015622-8A46-45CF-A72A-2856B699B374}" srcOrd="0" destOrd="0" presId="urn:microsoft.com/office/officeart/2005/8/layout/hProcess4"/>
     <dgm:cxn modelId="{42586E0C-FC12-4279-B61A-FB264883861E}" type="presOf" srcId="{65B6D8B9-E558-4264-B37F-7B4B2A8896DF}" destId="{E83793B4-2C5C-4D90-82FA-E5EE4745664D}" srcOrd="0" destOrd="1" presId="urn:microsoft.com/office/officeart/2005/8/layout/hProcess4"/>
     <dgm:cxn modelId="{4B18E30D-82C2-4283-A315-6037649BD6DD}" type="presOf" srcId="{D0B150DF-3AA4-454C-8652-25880449C422}" destId="{6A63D16E-EEE6-4267-97EA-5AD7D2BC4E84}" srcOrd="0" destOrd="0" presId="urn:microsoft.com/office/officeart/2005/8/layout/hProcess4"/>
-    <dgm:cxn modelId="{21684E12-5570-4557-8E44-BA385BA4CBCC}" type="presOf" srcId="{C4EA93CE-3FAB-431B-9058-6429E755BA24}" destId="{96015622-8A46-45CF-A72A-2856B699B374}" srcOrd="0" destOrd="3" presId="urn:microsoft.com/office/officeart/2005/8/layout/hProcess4"/>
+    <dgm:cxn modelId="{B445800E-B69C-4686-B372-420D38421AFA}" type="presOf" srcId="{A0C45ED4-74B3-40A3-A905-2305E3230967}" destId="{96015622-8A46-45CF-A72A-2856B699B374}" srcOrd="0" destOrd="4" presId="urn:microsoft.com/office/officeart/2005/8/layout/hProcess4"/>
     <dgm:cxn modelId="{CA96E113-7151-48C8-B4D5-7AA211772CC8}" srcId="{F6D27D1B-CDCB-481F-B8FA-AB31B2A119DE}" destId="{65B6D8B9-E558-4264-B37F-7B4B2A8896DF}" srcOrd="1" destOrd="0" parTransId="{04F5A724-3AA7-4E78-B992-BCB3E916993F}" sibTransId="{370A79FF-9957-49E1-811F-78AB198DD9E0}"/>
     <dgm:cxn modelId="{12425217-73F3-4F0D-A149-F31BBD773C6E}" type="presOf" srcId="{68838C34-4D02-49F8-ADD7-BFA90D87B7EA}" destId="{843715D2-C2C2-41EB-BDA3-21230FBA46DB}" srcOrd="1" destOrd="0" presId="urn:microsoft.com/office/officeart/2005/8/layout/hProcess4"/>
-    <dgm:cxn modelId="{F025B618-60A1-454E-86A2-0A3C29FF520A}" type="presOf" srcId="{A1C4A85C-41A1-4797-8313-41E60001A823}" destId="{96015622-8A46-45CF-A72A-2856B699B374}" srcOrd="0" destOrd="2" presId="urn:microsoft.com/office/officeart/2005/8/layout/hProcess4"/>
-    <dgm:cxn modelId="{16636D1A-D041-44AF-81BD-9D1120F5D13D}" type="presOf" srcId="{C4EA93CE-3FAB-431B-9058-6429E755BA24}" destId="{BFE859F2-A9E8-4F95-9161-8EC68F2D30C4}" srcOrd="1" destOrd="3" presId="urn:microsoft.com/office/officeart/2005/8/layout/hProcess4"/>
+    <dgm:cxn modelId="{F025B618-60A1-454E-86A2-0A3C29FF520A}" type="presOf" srcId="{A1C4A85C-41A1-4797-8313-41E60001A823}" destId="{96015622-8A46-45CF-A72A-2856B699B374}" srcOrd="0" destOrd="5" presId="urn:microsoft.com/office/officeart/2005/8/layout/hProcess4"/>
     <dgm:cxn modelId="{FEDC421D-8DE5-4870-BF0C-CCED56477182}" type="presOf" srcId="{0B00F5A8-A0EF-4111-9D86-004317B4F49E}" destId="{67FFE978-6FBE-4424-80BE-B9E4B4DD0695}" srcOrd="1" destOrd="0" presId="urn:microsoft.com/office/officeart/2005/8/layout/hProcess4"/>
     <dgm:cxn modelId="{BDAE5B28-5770-41DC-ABB0-DBEFC7C2CE18}" type="presOf" srcId="{F6D27D1B-CDCB-481F-B8FA-AB31B2A119DE}" destId="{029D1FDE-4DD7-4FA5-8C70-0C747477B66C}" srcOrd="0" destOrd="0" presId="urn:microsoft.com/office/officeart/2005/8/layout/hProcess4"/>
     <dgm:cxn modelId="{ECE9152A-59A8-4A3A-9D34-DB38A074F636}" srcId="{0E9DE493-19D7-4EC9-97C9-5F26233F1106}" destId="{58828492-5CEF-4AFE-95CB-5D7E6A18158B}" srcOrd="2" destOrd="0" parTransId="{F664BA43-1B81-496F-A04E-CE4B4A525697}" sibTransId="{2D386477-EC66-449A-8D41-5F8A212C3D8E}"/>
     <dgm:cxn modelId="{3EEA6733-0B37-43CD-AA37-269F7D4614C4}" type="presOf" srcId="{785C3AF7-C28E-4C41-93A9-CEB7D7A868D8}" destId="{67FFE978-6FBE-4424-80BE-B9E4B4DD0695}" srcOrd="1" destOrd="2" presId="urn:microsoft.com/office/officeart/2005/8/layout/hProcess4"/>
-    <dgm:cxn modelId="{17F0DD38-CA1F-4004-AF7F-5521D4976CB1}" type="presOf" srcId="{443187D2-327A-490C-B08A-5E106831FAD7}" destId="{BFE859F2-A9E8-4F95-9161-8EC68F2D30C4}" srcOrd="1" destOrd="4" presId="urn:microsoft.com/office/officeart/2005/8/layout/hProcess4"/>
+    <dgm:cxn modelId="{17F0DD38-CA1F-4004-AF7F-5521D4976CB1}" type="presOf" srcId="{443187D2-327A-490C-B08A-5E106831FAD7}" destId="{BFE859F2-A9E8-4F95-9161-8EC68F2D30C4}" srcOrd="1" destOrd="6" presId="urn:microsoft.com/office/officeart/2005/8/layout/hProcess4"/>
     <dgm:cxn modelId="{2D5B3E3B-3EE5-4072-933E-27DF5400591C}" srcId="{FB986F71-3126-4196-BD30-74AEDC39A1CA}" destId="{AB2E8498-CC81-452F-A895-08F3845AA347}" srcOrd="0" destOrd="0" parTransId="{4C65E2C8-0CBB-4D8C-AD60-6B0105C62B84}" sibTransId="{9A1F3304-AA9E-4FBC-89BA-9095C80E47C9}"/>
     <dgm:cxn modelId="{37BAAD5D-2AE3-4326-BFA0-7BDC9D3C2044}" type="presOf" srcId="{7AEB6639-3258-49E8-8B1F-B4A9C61922BE}" destId="{DC2A0ADB-DCE3-4BF4-9952-0394865777AC}" srcOrd="0" destOrd="0" presId="urn:microsoft.com/office/officeart/2005/8/layout/hProcess4"/>
+    <dgm:cxn modelId="{535D3F5F-D745-4EED-A2CB-5C331EBFD6E0}" type="presOf" srcId="{DC6FD7D3-DD78-4D0A-9961-7DCE45ADCA40}" destId="{BFE859F2-A9E8-4F95-9161-8EC68F2D30C4}" srcOrd="1" destOrd="2" presId="urn:microsoft.com/office/officeart/2005/8/layout/hProcess4"/>
     <dgm:cxn modelId="{19D9A14B-BEF1-4EEE-8872-8954FDA81B66}" srcId="{F6D27D1B-CDCB-481F-B8FA-AB31B2A119DE}" destId="{785C3AF7-C28E-4C41-93A9-CEB7D7A868D8}" srcOrd="2" destOrd="0" parTransId="{94D9BC22-C756-4872-BF57-50E9E263F671}" sibTransId="{FD2EE6FB-A5C6-41DF-9E56-34FEC45D2F39}"/>
     <dgm:cxn modelId="{1423FC72-83C7-4510-8021-28EAEA493E68}" srcId="{0E9DE493-19D7-4EC9-97C9-5F26233F1106}" destId="{FB986F71-3126-4196-BD30-74AEDC39A1CA}" srcOrd="0" destOrd="0" parTransId="{9B3CE34A-9B3E-4D5F-94E0-DFBB94FF5A03}" sibTransId="{D0B150DF-3AA4-454C-8652-25880449C422}"/>
     <dgm:cxn modelId="{931DF974-0741-4F55-ACB8-B89F562A02E0}" type="presOf" srcId="{DB825531-C376-4274-B8E5-CEA0D2E24050}" destId="{843715D2-C2C2-41EB-BDA3-21230FBA46DB}" srcOrd="1" destOrd="2" presId="urn:microsoft.com/office/officeart/2005/8/layout/hProcess4"/>
@@ -2026,24 +2197,28 @@
     <dgm:cxn modelId="{550EAF7A-F340-4431-9759-3CC2DB1E7D52}" type="presOf" srcId="{65B6D8B9-E558-4264-B37F-7B4B2A8896DF}" destId="{67FFE978-6FBE-4424-80BE-B9E4B4DD0695}" srcOrd="1" destOrd="1" presId="urn:microsoft.com/office/officeart/2005/8/layout/hProcess4"/>
     <dgm:cxn modelId="{CCCEB27A-2923-4453-9D2F-8BCF613C6458}" type="presOf" srcId="{DB825531-C376-4274-B8E5-CEA0D2E24050}" destId="{69C28D3B-E083-42DF-9EA0-916CA12125A9}" srcOrd="0" destOrd="2" presId="urn:microsoft.com/office/officeart/2005/8/layout/hProcess4"/>
     <dgm:cxn modelId="{0F27E287-6607-4CAE-95A2-6F0EBCD0E316}" type="presOf" srcId="{FB986F71-3126-4196-BD30-74AEDC39A1CA}" destId="{E18C6CF4-EDEB-4539-A36D-E0355B626199}" srcOrd="0" destOrd="0" presId="urn:microsoft.com/office/officeart/2005/8/layout/hProcess4"/>
-    <dgm:cxn modelId="{388E8099-9974-4E05-85B2-F412A0876BCC}" type="presOf" srcId="{443187D2-327A-490C-B08A-5E106831FAD7}" destId="{96015622-8A46-45CF-A72A-2856B699B374}" srcOrd="0" destOrd="4" presId="urn:microsoft.com/office/officeart/2005/8/layout/hProcess4"/>
+    <dgm:cxn modelId="{AC93EF87-64A8-413D-A021-CE9264E28595}" type="presOf" srcId="{A0C45ED4-74B3-40A3-A905-2305E3230967}" destId="{BFE859F2-A9E8-4F95-9161-8EC68F2D30C4}" srcOrd="1" destOrd="4" presId="urn:microsoft.com/office/officeart/2005/8/layout/hProcess4"/>
+    <dgm:cxn modelId="{AA30B188-89A8-4C6C-8C4A-8F435085F85F}" srcId="{FB986F71-3126-4196-BD30-74AEDC39A1CA}" destId="{DC6FD7D3-DD78-4D0A-9961-7DCE45ADCA40}" srcOrd="2" destOrd="0" parTransId="{1F6BF483-90A7-4C73-87B1-917687DBA86C}" sibTransId="{646058A8-AD27-447E-8213-8F793A324800}"/>
+    <dgm:cxn modelId="{388E8099-9974-4E05-85B2-F412A0876BCC}" type="presOf" srcId="{443187D2-327A-490C-B08A-5E106831FAD7}" destId="{96015622-8A46-45CF-A72A-2856B699B374}" srcOrd="0" destOrd="6" presId="urn:microsoft.com/office/officeart/2005/8/layout/hProcess4"/>
     <dgm:cxn modelId="{7F7CC99B-A413-4E84-B89C-F3A94FB465D3}" type="presOf" srcId="{0B00F5A8-A0EF-4111-9D86-004317B4F49E}" destId="{E83793B4-2C5C-4D90-82FA-E5EE4745664D}" srcOrd="0" destOrd="0" presId="urn:microsoft.com/office/officeart/2005/8/layout/hProcess4"/>
     <dgm:cxn modelId="{A2DC5BA1-7F74-4A4F-AE48-B4192185511E}" srcId="{58828492-5CEF-4AFE-95CB-5D7E6A18158B}" destId="{870A677C-2894-4DB5-9B1F-9681C2A097D8}" srcOrd="4" destOrd="0" parTransId="{9D484DB5-7548-44BD-89A5-FDF0064CDED1}" sibTransId="{428EBC0F-50C1-4F82-84FF-9B64CC968284}"/>
+    <dgm:cxn modelId="{310DD8A8-8C45-4182-AED1-8B8E9780E10B}" type="presOf" srcId="{DC6FD7D3-DD78-4D0A-9961-7DCE45ADCA40}" destId="{96015622-8A46-45CF-A72A-2856B699B374}" srcOrd="0" destOrd="2" presId="urn:microsoft.com/office/officeart/2005/8/layout/hProcess4"/>
     <dgm:cxn modelId="{451F7AAA-E920-454C-848B-1D81F6DCEDDD}" srcId="{58828492-5CEF-4AFE-95CB-5D7E6A18158B}" destId="{DB825531-C376-4274-B8E5-CEA0D2E24050}" srcOrd="2" destOrd="0" parTransId="{20B6E64E-E5CE-4E50-83CA-0CAED8C0BF68}" sibTransId="{6BDA300F-19BA-4A90-9A93-B43DA565DC87}"/>
     <dgm:cxn modelId="{A63D53AC-541A-4D09-9620-8B1C8D7B91DE}" srcId="{0E9DE493-19D7-4EC9-97C9-5F26233F1106}" destId="{F6D27D1B-CDCB-481F-B8FA-AB31B2A119DE}" srcOrd="1" destOrd="0" parTransId="{8A7BF306-8E53-4B16-9E7E-A79AE3DF6BE2}" sibTransId="{7AEB6639-3258-49E8-8B1F-B4A9C61922BE}"/>
     <dgm:cxn modelId="{3D458AAD-F5BB-49C9-981C-458651E1545F}" type="presOf" srcId="{AB2E8498-CC81-452F-A895-08F3845AA347}" destId="{BFE859F2-A9E8-4F95-9161-8EC68F2D30C4}" srcOrd="1" destOrd="0" presId="urn:microsoft.com/office/officeart/2005/8/layout/hProcess4"/>
     <dgm:cxn modelId="{AF4D18AE-B9AF-4919-9955-249F7CCF8C99}" type="presOf" srcId="{FFE3633C-F4C4-471D-A2ED-F23F2B8EC644}" destId="{69C28D3B-E083-42DF-9EA0-916CA12125A9}" srcOrd="0" destOrd="3" presId="urn:microsoft.com/office/officeart/2005/8/layout/hProcess4"/>
-    <dgm:cxn modelId="{84BC64B6-0DAA-4C61-80CB-D821B70E6DB1}" srcId="{FB986F71-3126-4196-BD30-74AEDC39A1CA}" destId="{A1C4A85C-41A1-4797-8313-41E60001A823}" srcOrd="2" destOrd="0" parTransId="{358AA3C9-979E-4D35-B3D2-A73E6C5BEB4C}" sibTransId="{A2AE5DAB-C0DF-4000-B77E-E67AB4664546}"/>
+    <dgm:cxn modelId="{84BC64B6-0DAA-4C61-80CB-D821B70E6DB1}" srcId="{FB986F71-3126-4196-BD30-74AEDC39A1CA}" destId="{A1C4A85C-41A1-4797-8313-41E60001A823}" srcOrd="5" destOrd="0" parTransId="{358AA3C9-979E-4D35-B3D2-A73E6C5BEB4C}" sibTransId="{A2AE5DAB-C0DF-4000-B77E-E67AB4664546}"/>
     <dgm:cxn modelId="{3B3FDEBC-7E04-4179-87D6-5E9E30E473A9}" type="presOf" srcId="{BF381BD4-48DC-48BF-8C18-C307CDD4D490}" destId="{96015622-8A46-45CF-A72A-2856B699B374}" srcOrd="0" destOrd="1" presId="urn:microsoft.com/office/officeart/2005/8/layout/hProcess4"/>
     <dgm:cxn modelId="{5F9EDECD-FB20-4615-B5EC-47255B2B532F}" srcId="{FB986F71-3126-4196-BD30-74AEDC39A1CA}" destId="{BF381BD4-48DC-48BF-8C18-C307CDD4D490}" srcOrd="1" destOrd="0" parTransId="{5D881325-883F-44A1-A5FB-E01856D07A5B}" sibTransId="{2C645F98-BC4B-4797-BC42-0872EA7B0575}"/>
-    <dgm:cxn modelId="{B91B54D5-405D-4B24-8749-7D921EDB19B9}" type="presOf" srcId="{A1C4A85C-41A1-4797-8313-41E60001A823}" destId="{BFE859F2-A9E8-4F95-9161-8EC68F2D30C4}" srcOrd="1" destOrd="2" presId="urn:microsoft.com/office/officeart/2005/8/layout/hProcess4"/>
+    <dgm:cxn modelId="{3E68A2D0-287B-4B86-A612-C75A74CDDDD1}" type="presOf" srcId="{C326B51D-A498-4004-B862-002E1CAF7609}" destId="{96015622-8A46-45CF-A72A-2856B699B374}" srcOrd="0" destOrd="3" presId="urn:microsoft.com/office/officeart/2005/8/layout/hProcess4"/>
+    <dgm:cxn modelId="{B91B54D5-405D-4B24-8749-7D921EDB19B9}" type="presOf" srcId="{A1C4A85C-41A1-4797-8313-41E60001A823}" destId="{BFE859F2-A9E8-4F95-9161-8EC68F2D30C4}" srcOrd="1" destOrd="5" presId="urn:microsoft.com/office/officeart/2005/8/layout/hProcess4"/>
+    <dgm:cxn modelId="{05F498DC-DD19-4362-976F-50214FF80C4A}" srcId="{FB986F71-3126-4196-BD30-74AEDC39A1CA}" destId="{A0C45ED4-74B3-40A3-A905-2305E3230967}" srcOrd="4" destOrd="0" parTransId="{FE5F8B9D-1A28-49A5-91CC-5E05A285B36B}" sibTransId="{B6BBF634-5DA6-4B2F-A82B-7A3D086BC7F7}"/>
     <dgm:cxn modelId="{3D080EE7-BDF0-495B-A4FB-103A296CD73B}" srcId="{58828492-5CEF-4AFE-95CB-5D7E6A18158B}" destId="{6E7DBE00-7E5B-46F8-BBA0-CF0079A58E82}" srcOrd="1" destOrd="0" parTransId="{6FAC7821-43C2-4A12-9638-E9B1BDE7C8D8}" sibTransId="{65147ED7-18A4-49A5-9AEE-066FB0363316}"/>
     <dgm:cxn modelId="{86F910E7-C9D0-48E5-A3A3-C70127E96FC1}" srcId="{F6D27D1B-CDCB-481F-B8FA-AB31B2A119DE}" destId="{0B00F5A8-A0EF-4111-9D86-004317B4F49E}" srcOrd="0" destOrd="0" parTransId="{EC916B99-8D26-4265-B7BE-BB461C68DA5C}" sibTransId="{CE48C676-980A-4BAC-A3C8-9ABC315DAE51}"/>
     <dgm:cxn modelId="{0C99A0E7-7B5A-462A-BC31-41CB3B1D1005}" type="presOf" srcId="{0E9DE493-19D7-4EC9-97C9-5F26233F1106}" destId="{3960CFF8-4383-4382-8D6D-F2A00F508E8D}" srcOrd="0" destOrd="0" presId="urn:microsoft.com/office/officeart/2005/8/layout/hProcess4"/>
-    <dgm:cxn modelId="{88F60CEA-8EA8-4FF2-A4D6-C0AE09F05653}" srcId="{FB986F71-3126-4196-BD30-74AEDC39A1CA}" destId="{C4EA93CE-3FAB-431B-9058-6429E755BA24}" srcOrd="3" destOrd="0" parTransId="{80B80FF0-EF5A-4ADF-991C-48D29884C0D5}" sibTransId="{4D5E9C0B-1112-44EE-9305-C6EC529363B9}"/>
     <dgm:cxn modelId="{7DE2D9EB-BC69-4A4F-B27C-E7CA38C480BD}" type="presOf" srcId="{870A677C-2894-4DB5-9B1F-9681C2A097D8}" destId="{69C28D3B-E083-42DF-9EA0-916CA12125A9}" srcOrd="0" destOrd="4" presId="urn:microsoft.com/office/officeart/2005/8/layout/hProcess4"/>
     <dgm:cxn modelId="{653E39ED-E30D-4268-B707-7538F94D3246}" type="presOf" srcId="{BF381BD4-48DC-48BF-8C18-C307CDD4D490}" destId="{BFE859F2-A9E8-4F95-9161-8EC68F2D30C4}" srcOrd="1" destOrd="1" presId="urn:microsoft.com/office/officeart/2005/8/layout/hProcess4"/>
-    <dgm:cxn modelId="{8BBCB4EE-B29F-4D29-B3A3-375FE964D138}" srcId="{FB986F71-3126-4196-BD30-74AEDC39A1CA}" destId="{443187D2-327A-490C-B08A-5E106831FAD7}" srcOrd="4" destOrd="0" parTransId="{92C703CE-91D6-4337-B457-4F44168840DC}" sibTransId="{A54937EA-0026-4F5E-BA80-F0BE3557165A}"/>
+    <dgm:cxn modelId="{8BBCB4EE-B29F-4D29-B3A3-375FE964D138}" srcId="{FB986F71-3126-4196-BD30-74AEDC39A1CA}" destId="{443187D2-327A-490C-B08A-5E106831FAD7}" srcOrd="6" destOrd="0" parTransId="{92C703CE-91D6-4337-B457-4F44168840DC}" sibTransId="{A54937EA-0026-4F5E-BA80-F0BE3557165A}"/>
     <dgm:cxn modelId="{DA2F5BF7-C91F-462E-A282-65934D428E24}" type="presOf" srcId="{6E7DBE00-7E5B-46F8-BBA0-CF0079A58E82}" destId="{69C28D3B-E083-42DF-9EA0-916CA12125A9}" srcOrd="0" destOrd="1" presId="urn:microsoft.com/office/officeart/2005/8/layout/hProcess4"/>
     <dgm:cxn modelId="{5372BAFC-A1A3-4A96-844E-BF775F4968AD}" type="presOf" srcId="{68838C34-4D02-49F8-ADD7-BFA90D87B7EA}" destId="{69C28D3B-E083-42DF-9EA0-916CA12125A9}" srcOrd="0" destOrd="0" presId="urn:microsoft.com/office/officeart/2005/8/layout/hProcess4"/>
     <dgm:cxn modelId="{7BB234FF-E636-42AF-A207-D1C1F213B19E}" type="presOf" srcId="{785C3AF7-C28E-4C41-93A9-CEB7D7A868D8}" destId="{E83793B4-2C5C-4D90-82FA-E5EE4745664D}" srcOrd="0" destOrd="2" presId="urn:microsoft.com/office/officeart/2005/8/layout/hProcess4"/>
@@ -2096,7 +2271,7 @@
       </dsp:nvSpPr>
       <dsp:spPr>
         <a:xfrm>
-          <a:off x="36244" y="1049273"/>
+          <a:off x="0" y="1066795"/>
           <a:ext cx="2444561" cy="2016252"/>
         </a:xfrm>
         <a:prstGeom prst="roundRect">
@@ -2141,12 +2316,12 @@
         <a:fontRef idx="minor"/>
       </dsp:style>
       <dsp:txBody>
-        <a:bodyPr spcFirstLastPara="0" vert="horz" wrap="square" lIns="28575" tIns="28575" rIns="28575" bIns="28575" numCol="1" spcCol="1270" anchor="t" anchorCtr="0">
+        <a:bodyPr spcFirstLastPara="0" vert="horz" wrap="square" lIns="22860" tIns="22860" rIns="22860" bIns="22860" numCol="1" spcCol="1270" anchor="t" anchorCtr="0">
           <a:noAutofit/>
         </a:bodyPr>
         <a:lstStyle/>
         <a:p>
-          <a:pPr marL="114300" lvl="1" indent="-114300" algn="l" defTabSz="666750" rtl="0">
+          <a:pPr marL="114300" lvl="1" indent="-114300" algn="l" defTabSz="533400" rtl="0">
             <a:lnSpc>
               <a:spcPct val="90000"/>
             </a:lnSpc>
@@ -2159,22 +2334,21 @@
             <a:buChar char="•"/>
           </a:pPr>
           <a:r>
-            <a:rPr lang="de-DE" sz="1500" b="1" kern="1200" noProof="0" dirty="0">
+            <a:rPr lang="de-DE" sz="1200" b="1" kern="1200" dirty="0">
               <a:solidFill>
                 <a:srgbClr val="FF0000"/>
               </a:solidFill>
-              <a:latin typeface="Corbel"/>
             </a:rPr>
-            <a:t>Graphische Oberfläche</a:t>
+            <a:t>Catia V5 API</a:t>
           </a:r>
-          <a:endParaRPr lang="de-DE" sz="1500" b="1" kern="1200" noProof="0" dirty="0">
+          <a:endParaRPr lang="de-DE" sz="1200" b="1" kern="1200" noProof="0" dirty="0">
             <a:solidFill>
               <a:srgbClr val="FF0000"/>
             </a:solidFill>
           </a:endParaRPr>
         </a:p>
         <a:p>
-          <a:pPr marL="114300" lvl="1" indent="-114300" algn="l" defTabSz="666750" rtl="0">
+          <a:pPr marL="114300" lvl="1" indent="-114300" algn="l" defTabSz="533400" rtl="0">
             <a:lnSpc>
               <a:spcPct val="90000"/>
             </a:lnSpc>
@@ -2187,22 +2361,16 @@
             <a:buChar char="•"/>
           </a:pPr>
           <a:r>
-            <a:rPr lang="de-DE" sz="1500" b="1" kern="1200" noProof="0" dirty="0">
+            <a:rPr lang="de-DE" sz="1200" b="1" kern="1200" noProof="0" dirty="0">
               <a:solidFill>
                 <a:srgbClr val="FF0000"/>
               </a:solidFill>
-              <a:latin typeface="Corbel"/>
             </a:rPr>
-            <a:t>Erweiterte Kontrollstrukturen</a:t>
+            <a:t>CAT-Part</a:t>
           </a:r>
-          <a:endParaRPr lang="de-DE" sz="1500" b="1" kern="1200" noProof="0" dirty="0">
-            <a:solidFill>
-              <a:srgbClr val="FF0000"/>
-            </a:solidFill>
-          </a:endParaRPr>
         </a:p>
         <a:p>
-          <a:pPr marL="114300" lvl="1" indent="-114300" algn="l" defTabSz="666750" rtl="0">
+          <a:pPr marL="114300" lvl="1" indent="-114300" algn="l" defTabSz="533400" rtl="0">
             <a:lnSpc>
               <a:spcPct val="90000"/>
             </a:lnSpc>
@@ -2215,14 +2383,16 @@
             <a:buChar char="•"/>
           </a:pPr>
           <a:r>
-            <a:rPr lang="de-DE" sz="1500" b="1" kern="1200" noProof="0" dirty="0">
-              <a:latin typeface="Corbel"/>
+            <a:rPr lang="de-DE" sz="1200" b="1" kern="1200" noProof="0" dirty="0">
+              <a:solidFill>
+                <a:srgbClr val="FF0000"/>
+              </a:solidFill>
             </a:rPr>
-            <a:t>Angepasste Skizzen</a:t>
+            <a:t>Design</a:t>
           </a:r>
         </a:p>
         <a:p>
-          <a:pPr marL="114300" lvl="1" indent="-114300" algn="l" defTabSz="666750" rtl="0">
+          <a:pPr marL="114300" lvl="1" indent="-114300" algn="l" defTabSz="533400" rtl="0">
             <a:lnSpc>
               <a:spcPct val="90000"/>
             </a:lnSpc>
@@ -2235,14 +2405,16 @@
             <a:buChar char="•"/>
           </a:pPr>
           <a:r>
-            <a:rPr lang="de-DE" sz="1500" b="1" kern="1200" noProof="0" dirty="0">
-              <a:latin typeface="Corbel"/>
+            <a:rPr lang="de-DE" sz="1200" b="1" kern="1200" noProof="0" dirty="0">
+              <a:solidFill>
+                <a:schemeClr val="bg1"/>
+              </a:solidFill>
             </a:rPr>
-            <a:t>Logo </a:t>
+            <a:t>Bedienerfreundlich</a:t>
           </a:r>
         </a:p>
         <a:p>
-          <a:pPr marL="114300" lvl="1" indent="-114300" algn="l" defTabSz="666750" rtl="0">
+          <a:pPr marL="114300" lvl="1" indent="-114300" algn="l" defTabSz="533400" rtl="0">
             <a:lnSpc>
               <a:spcPct val="90000"/>
             </a:lnSpc>
@@ -2255,15 +2427,51 @@
             <a:buChar char="•"/>
           </a:pPr>
           <a:r>
-            <a:rPr lang="de-DE" sz="1500" b="1" kern="1200" noProof="0" dirty="0">
-              <a:latin typeface="Corbel"/>
+            <a:rPr lang="de-DE" sz="1200" b="1" kern="1200" noProof="0" dirty="0">
+              <a:solidFill>
+                <a:schemeClr val="bg1"/>
+              </a:solidFill>
             </a:rPr>
-            <a:t>Große Produktpalette</a:t>
+            <a:t>Arbeitserleichternd</a:t>
           </a:r>
+        </a:p>
+        <a:p>
+          <a:pPr marL="114300" lvl="1" indent="-114300" algn="l" defTabSz="533400" rtl="0">
+            <a:lnSpc>
+              <a:spcPct val="90000"/>
+            </a:lnSpc>
+            <a:spcBef>
+              <a:spcPct val="0"/>
+            </a:spcBef>
+            <a:spcAft>
+              <a:spcPct val="15000"/>
+            </a:spcAft>
+            <a:buChar char="•"/>
+          </a:pPr>
+          <a:endParaRPr lang="de-DE" sz="1200" b="1" kern="1200" noProof="0" dirty="0">
+            <a:latin typeface="Corbel"/>
+          </a:endParaRPr>
+        </a:p>
+        <a:p>
+          <a:pPr marL="114300" lvl="1" indent="-114300" algn="l" defTabSz="533400" rtl="0">
+            <a:lnSpc>
+              <a:spcPct val="90000"/>
+            </a:lnSpc>
+            <a:spcBef>
+              <a:spcPct val="0"/>
+            </a:spcBef>
+            <a:spcAft>
+              <a:spcPct val="15000"/>
+            </a:spcAft>
+            <a:buChar char="•"/>
+          </a:pPr>
+          <a:endParaRPr lang="de-DE" sz="1200" b="1" kern="1200" noProof="0" dirty="0">
+            <a:latin typeface="Corbel"/>
+          </a:endParaRPr>
         </a:p>
       </dsp:txBody>
       <dsp:txXfrm>
-        <a:off x="82644" y="1095673"/>
+        <a:off x="46400" y="1113195"/>
         <a:ext cx="2351761" cy="1491398"/>
       </dsp:txXfrm>
     </dsp:sp>
@@ -2518,12 +2726,12 @@
         <a:fontRef idx="minor"/>
       </dsp:style>
       <dsp:txBody>
-        <a:bodyPr spcFirstLastPara="0" vert="horz" wrap="square" lIns="28575" tIns="28575" rIns="28575" bIns="28575" numCol="1" spcCol="1270" anchor="t" anchorCtr="0">
+        <a:bodyPr spcFirstLastPara="0" vert="horz" wrap="square" lIns="22860" tIns="22860" rIns="22860" bIns="22860" numCol="1" spcCol="1270" anchor="t" anchorCtr="0">
           <a:noAutofit/>
         </a:bodyPr>
         <a:lstStyle/>
         <a:p>
-          <a:pPr marL="114300" lvl="1" indent="-114300" algn="l" defTabSz="666750" rtl="0">
+          <a:pPr marL="114300" lvl="1" indent="-114300" algn="l" defTabSz="533400" rtl="0">
             <a:lnSpc>
               <a:spcPct val="90000"/>
             </a:lnSpc>
@@ -2536,15 +2744,15 @@
             <a:buChar char="•"/>
           </a:pPr>
           <a:r>
-            <a:rPr lang="de-DE" sz="1500" b="1" kern="1200" noProof="0" dirty="0">
+            <a:rPr lang="de-DE" sz="1200" b="1" kern="1200" noProof="0" dirty="0">
               <a:latin typeface="Corbel"/>
             </a:rPr>
             <a:t>Informationssammlung (Internet &amp; Vorlesung)</a:t>
           </a:r>
-          <a:endParaRPr lang="de-DE" sz="1500" b="1" kern="1200" noProof="0" dirty="0"/>
+          <a:endParaRPr lang="de-DE" sz="1200" b="1" kern="1200" noProof="0" dirty="0"/>
         </a:p>
         <a:p>
-          <a:pPr marL="114300" lvl="1" indent="-114300" algn="l" defTabSz="666750" rtl="0">
+          <a:pPr marL="114300" lvl="1" indent="-114300" algn="l" defTabSz="533400" rtl="0">
             <a:lnSpc>
               <a:spcPct val="90000"/>
             </a:lnSpc>
@@ -2557,15 +2765,15 @@
             <a:buChar char="•"/>
           </a:pPr>
           <a:r>
-            <a:rPr lang="de-DE" sz="1500" b="1" kern="1200" noProof="0" dirty="0">
+            <a:rPr lang="de-DE" sz="1200" b="1" kern="1200" noProof="0" dirty="0">
               <a:latin typeface="Corbel"/>
             </a:rPr>
             <a:t>Viel Programmieren und testen</a:t>
           </a:r>
-          <a:endParaRPr lang="de-DE" sz="1500" b="1" kern="1200" noProof="0" dirty="0"/>
+          <a:endParaRPr lang="de-DE" sz="1200" b="1" kern="1200" noProof="0" dirty="0"/>
         </a:p>
         <a:p>
-          <a:pPr marL="114300" lvl="1" indent="-114300" algn="l" defTabSz="666750" rtl="0">
+          <a:pPr marL="114300" lvl="1" indent="-114300" algn="l" defTabSz="533400" rtl="0">
             <a:lnSpc>
               <a:spcPct val="90000"/>
             </a:lnSpc>
@@ -2578,7 +2786,7 @@
             <a:buChar char="•"/>
           </a:pPr>
           <a:r>
-            <a:rPr lang="de-DE" sz="1500" b="1" kern="1200" noProof="0" dirty="0">
+            <a:rPr lang="de-DE" sz="1200" b="1" kern="1200" noProof="0" dirty="0">
               <a:latin typeface="Corbel"/>
             </a:rPr>
             <a:t>Bessere Nutzung von Github</a:t>
@@ -2796,7 +3004,7 @@
       </dsp:nvSpPr>
       <dsp:spPr>
         <a:xfrm>
-          <a:off x="6382050" y="1049273"/>
+          <a:off x="6382050" y="1049274"/>
           <a:ext cx="2444561" cy="2016252"/>
         </a:xfrm>
         <a:prstGeom prst="roundRect">
@@ -2841,12 +3049,12 @@
         <a:fontRef idx="minor"/>
       </dsp:style>
       <dsp:txBody>
-        <a:bodyPr spcFirstLastPara="0" vert="horz" wrap="square" lIns="28575" tIns="28575" rIns="28575" bIns="28575" numCol="1" spcCol="1270" anchor="t" anchorCtr="0">
+        <a:bodyPr spcFirstLastPara="0" vert="horz" wrap="square" lIns="22860" tIns="22860" rIns="22860" bIns="22860" numCol="1" spcCol="1270" anchor="t" anchorCtr="0">
           <a:noAutofit/>
         </a:bodyPr>
         <a:lstStyle/>
         <a:p>
-          <a:pPr marL="114300" lvl="1" indent="-114300" algn="l" defTabSz="666750" rtl="0">
+          <a:pPr marL="114300" lvl="1" indent="-114300" algn="l" defTabSz="533400" rtl="0">
             <a:lnSpc>
               <a:spcPct val="90000"/>
             </a:lnSpc>
@@ -2859,7 +3067,7 @@
             <a:buChar char="•"/>
           </a:pPr>
           <a:r>
-            <a:rPr lang="de-DE" sz="1500" b="1" kern="1200" noProof="0" dirty="0">
+            <a:rPr lang="de-DE" sz="1200" b="1" kern="1200" noProof="0" dirty="0">
               <a:solidFill>
                 <a:schemeClr val="accent2"/>
               </a:solidFill>
@@ -2867,14 +3075,14 @@
             </a:rPr>
             <a:t>Ansprechendes Design</a:t>
           </a:r>
-          <a:endParaRPr lang="de-DE" sz="1500" b="1" kern="1200" noProof="0" dirty="0">
+          <a:endParaRPr lang="de-DE" sz="1200" b="1" kern="1200" noProof="0" dirty="0">
             <a:solidFill>
               <a:schemeClr val="accent2"/>
             </a:solidFill>
           </a:endParaRPr>
         </a:p>
         <a:p>
-          <a:pPr marL="114300" lvl="1" indent="-114300" algn="l" defTabSz="666750">
+          <a:pPr marL="114300" lvl="1" indent="-114300" algn="l" defTabSz="533400">
             <a:lnSpc>
               <a:spcPct val="90000"/>
             </a:lnSpc>
@@ -2887,7 +3095,7 @@
             <a:buChar char="•"/>
           </a:pPr>
           <a:r>
-            <a:rPr lang="de-DE" sz="1500" b="1" kern="1200" noProof="0" dirty="0">
+            <a:rPr lang="de-DE" sz="1200" b="1" kern="1200" noProof="0" dirty="0">
               <a:solidFill>
                 <a:schemeClr val="accent2"/>
               </a:solidFill>
@@ -2895,14 +3103,14 @@
             </a:rPr>
             <a:t>Benutzerfreundlich</a:t>
           </a:r>
-          <a:endParaRPr lang="de-DE" sz="1500" b="1" kern="1200" noProof="0" dirty="0">
+          <a:endParaRPr lang="de-DE" sz="1200" b="1" kern="1200" noProof="0" dirty="0">
             <a:solidFill>
               <a:schemeClr val="accent2"/>
             </a:solidFill>
           </a:endParaRPr>
         </a:p>
         <a:p>
-          <a:pPr marL="114300" lvl="1" indent="-114300" algn="l" defTabSz="666750">
+          <a:pPr marL="114300" lvl="1" indent="-114300" algn="l" defTabSz="533400">
             <a:lnSpc>
               <a:spcPct val="90000"/>
             </a:lnSpc>
@@ -2915,7 +3123,7 @@
             <a:buChar char="•"/>
           </a:pPr>
           <a:r>
-            <a:rPr lang="de-DE" sz="1500" b="1" kern="1200" noProof="0" dirty="0">
+            <a:rPr lang="de-DE" sz="1200" b="1" kern="1200" noProof="0" dirty="0">
               <a:solidFill>
                 <a:schemeClr val="accent2"/>
               </a:solidFill>
@@ -2925,7 +3133,7 @@
           </a:r>
         </a:p>
         <a:p>
-          <a:pPr marL="114300" lvl="1" indent="-114300" algn="l" defTabSz="666750" rtl="0">
+          <a:pPr marL="114300" lvl="1" indent="-114300" algn="l" defTabSz="533400" rtl="0">
             <a:lnSpc>
               <a:spcPct val="90000"/>
             </a:lnSpc>
@@ -2938,7 +3146,7 @@
             <a:buChar char="•"/>
           </a:pPr>
           <a:r>
-            <a:rPr lang="de-DE" sz="1500" b="1" kern="1200" noProof="0" dirty="0">
+            <a:rPr lang="de-DE" sz="1200" b="1" kern="1200" noProof="0" dirty="0">
               <a:solidFill>
                 <a:schemeClr val="accent2"/>
               </a:solidFill>
@@ -2948,7 +3156,7 @@
           </a:r>
         </a:p>
         <a:p>
-          <a:pPr marL="114300" lvl="1" indent="-114300" algn="l" defTabSz="666750">
+          <a:pPr marL="114300" lvl="1" indent="-114300" algn="l" defTabSz="533400">
             <a:lnSpc>
               <a:spcPct val="90000"/>
             </a:lnSpc>
@@ -2961,7 +3169,7 @@
             <a:buChar char="•"/>
           </a:pPr>
           <a:r>
-            <a:rPr lang="de-DE" sz="1500" b="1" kern="1200" noProof="0" dirty="0">
+            <a:rPr lang="de-DE" sz="1200" b="1" kern="1200" noProof="0" dirty="0">
               <a:latin typeface="Corbel"/>
             </a:rPr>
             <a:t>Einzigartig</a:t>
@@ -2969,7 +3177,7 @@
         </a:p>
       </dsp:txBody>
       <dsp:txXfrm>
-        <a:off x="6428450" y="1095673"/>
+        <a:off x="6428450" y="1095674"/>
         <a:ext cx="2351761" cy="1491398"/>
       </dsp:txXfrm>
     </dsp:sp>
@@ -4750,7 +4958,7 @@
           <a:p>
             <a:fld id="{59088EAF-6ECA-4616-85EF-35AA19C641F3}" type="datetimeFigureOut">
               <a:rPr lang="de-DE"/>
-              <a:t>12.05.2021</a:t>
+              <a:t>03.06.2021</a:t>
             </a:fld>
             <a:endParaRPr lang="de-DE" dirty="0"/>
           </a:p>
@@ -4915,7 +5123,7 @@
           <a:p>
             <a:fld id="{3ABD2D7A-D230-4F91-BD59-0A39C2703BA8}" type="datetimeFigureOut">
               <a:rPr lang="de-DE" smtClean="0"/>
-              <a:t>12.05.2021</a:t>
+              <a:t>03.06.2021</a:t>
             </a:fld>
             <a:endParaRPr lang="de-DE" dirty="0"/>
           </a:p>
@@ -5506,7 +5714,7 @@
           <a:p>
             <a:fld id="{03F41C87-7AD9-4845-A077-840E4A0F3F06}" type="datetimeFigureOut">
               <a:rPr lang="de-DE" smtClean="0"/>
-              <a:t>12.05.2021</a:t>
+              <a:t>03.06.2021</a:t>
             </a:fld>
             <a:endParaRPr lang="de-DE" dirty="0"/>
           </a:p>
@@ -5696,7 +5904,7 @@
           <a:p>
             <a:fld id="{03F41C87-7AD9-4845-A077-840E4A0F3F06}" type="datetimeFigureOut">
               <a:rPr lang="de-DE" smtClean="0"/>
-              <a:t>12.05.2021</a:t>
+              <a:t>03.06.2021</a:t>
             </a:fld>
             <a:endParaRPr lang="de-DE" dirty="0"/>
           </a:p>
@@ -5883,7 +6091,7 @@
           <a:p>
             <a:fld id="{03F41C87-7AD9-4845-A077-840E4A0F3F06}" type="datetimeFigureOut">
               <a:rPr lang="de-DE" smtClean="0"/>
-              <a:t>12.05.2021</a:t>
+              <a:t>03.06.2021</a:t>
             </a:fld>
             <a:endParaRPr lang="de-DE" dirty="0"/>
           </a:p>
@@ -6162,7 +6370,7 @@
           <a:p>
             <a:fld id="{03F41C87-7AD9-4845-A077-840E4A0F3F06}" type="datetimeFigureOut">
               <a:rPr lang="de-DE" smtClean="0"/>
-              <a:t>12.05.2021</a:t>
+              <a:t>03.06.2021</a:t>
             </a:fld>
             <a:endParaRPr lang="de-DE" dirty="0"/>
           </a:p>
@@ -6463,7 +6671,7 @@
           <a:p>
             <a:fld id="{03F41C87-7AD9-4845-A077-840E4A0F3F06}" type="datetimeFigureOut">
               <a:rPr lang="de-DE" smtClean="0"/>
-              <a:t>12.05.2021</a:t>
+              <a:t>03.06.2021</a:t>
             </a:fld>
             <a:endParaRPr lang="de-DE" dirty="0"/>
           </a:p>
@@ -6916,7 +7124,7 @@
           <a:p>
             <a:fld id="{03F41C87-7AD9-4845-A077-840E4A0F3F06}" type="datetimeFigureOut">
               <a:rPr lang="de-DE" smtClean="0"/>
-              <a:t>12.05.2021</a:t>
+              <a:t>03.06.2021</a:t>
             </a:fld>
             <a:endParaRPr lang="de-DE" dirty="0"/>
           </a:p>
@@ -7045,7 +7253,7 @@
           <a:p>
             <a:fld id="{03F41C87-7AD9-4845-A077-840E4A0F3F06}" type="datetimeFigureOut">
               <a:rPr lang="de-DE" smtClean="0"/>
-              <a:t>12.05.2021</a:t>
+              <a:t>03.06.2021</a:t>
             </a:fld>
             <a:endParaRPr lang="de-DE" dirty="0"/>
           </a:p>
@@ -7160,7 +7368,7 @@
           <a:p>
             <a:fld id="{03F41C87-7AD9-4845-A077-840E4A0F3F06}" type="datetimeFigureOut">
               <a:rPr lang="de-DE" smtClean="0"/>
-              <a:t>12.05.2021</a:t>
+              <a:t>03.06.2021</a:t>
             </a:fld>
             <a:endParaRPr lang="de-DE" dirty="0"/>
           </a:p>
@@ -7480,7 +7688,7 @@
           <a:p>
             <a:fld id="{03F41C87-7AD9-4845-A077-840E4A0F3F06}" type="datetimeFigureOut">
               <a:rPr lang="de-DE" smtClean="0"/>
-              <a:t>12.05.2021</a:t>
+              <a:t>03.06.2021</a:t>
             </a:fld>
             <a:endParaRPr lang="de-DE" dirty="0"/>
           </a:p>
@@ -7787,7 +7995,7 @@
             <a:fld id="{03F41C87-7AD9-4845-A077-840E4A0F3F06}" type="datetimeFigureOut">
               <a:rPr lang="de-DE" smtClean="0"/>
               <a:pPr/>
-              <a:t>12.05.2021</a:t>
+              <a:t>03.06.2021</a:t>
             </a:fld>
             <a:endParaRPr lang="de-DE" dirty="0"/>
           </a:p>
@@ -8021,7 +8229,7 @@
             <a:fld id="{03F41C87-7AD9-4845-A077-840E4A0F3F06}" type="datetimeFigureOut">
               <a:rPr lang="de-DE" smtClean="0"/>
               <a:pPr/>
-              <a:t>12.05.2021</a:t>
+              <a:t>03.06.2021</a:t>
             </a:fld>
             <a:endParaRPr lang="de-DE" dirty="0"/>
           </a:p>
@@ -8516,7 +8724,7 @@
           <a:p>
             <a:r>
               <a:rPr lang="de-DE" dirty="0"/>
-              <a:t>Kundenmeeting 12.05.2021</a:t>
+              <a:t>Kundenmeeting 03.06.2021</a:t>
             </a:r>
           </a:p>
           <a:p>
@@ -8734,13 +8942,13 @@
             <p:ph idx="1"/>
             <p:extLst>
               <p:ext uri="{D42A27DB-BD31-4B8C-83A1-F6EECF244321}">
-                <p14:modId xmlns:p14="http://schemas.microsoft.com/office/powerpoint/2010/main" val="1345134695"/>
+                <p14:modId xmlns:p14="http://schemas.microsoft.com/office/powerpoint/2010/main" val="2301192130"/>
               </p:ext>
             </p:extLst>
           </p:nvPr>
         </p:nvGraphicFramePr>
         <p:xfrm>
-          <a:off x="1522413" y="1905000"/>
+          <a:off x="1446212" y="1981200"/>
           <a:ext cx="9134475" cy="4114800"/>
         </p:xfrm>
         <a:graphic>
@@ -8858,6 +9066,13 @@
             <a:pPr marL="223520" indent="-223520"/>
             <a:r>
               <a:rPr lang="de-DE" sz="2000" dirty="0"/>
+              <a:t>CatiaV5-API</a:t>
+            </a:r>
+          </a:p>
+          <a:p>
+            <a:pPr marL="223520" indent="-223520"/>
+            <a:r>
+              <a:rPr lang="de-DE" sz="2000" dirty="0"/>
               <a:t>Teamarbeit</a:t>
             </a:r>
           </a:p>
@@ -8868,17 +9083,7 @@
                 <a:ea typeface="+mn-lt"/>
                 <a:cs typeface="+mn-lt"/>
               </a:rPr>
-              <a:t>Berechnung 4 Schraubentypen</a:t>
-            </a:r>
-          </a:p>
-          <a:p>
-            <a:pPr marL="223520" indent="-223520"/>
-            <a:r>
-              <a:rPr lang="de-DE" sz="2000" dirty="0">
-                <a:ea typeface="+mn-lt"/>
-                <a:cs typeface="+mn-lt"/>
-              </a:rPr>
-              <a:t>Gewinderichtung (letztes Meeting)</a:t>
+              <a:t>Gewinderichtung erweitert (letztes Meeting)</a:t>
             </a:r>
             <a:endParaRPr lang="de-DE" sz="2000" dirty="0"/>
           </a:p>
@@ -8959,20 +9164,6 @@
             <a:r>
               <a:rPr lang="de-DE" sz="1800" dirty="0"/>
               <a:t>Versand/ Mehrwertsteuer</a:t>
-            </a:r>
-          </a:p>
-          <a:p>
-            <a:pPr marL="223520" indent="-223520"/>
-            <a:r>
-              <a:rPr lang="de-DE" sz="1800" dirty="0"/>
-              <a:t>Steigung</a:t>
-            </a:r>
-          </a:p>
-          <a:p>
-            <a:pPr marL="223520" indent="-223520"/>
-            <a:r>
-              <a:rPr lang="de-DE" sz="1800" dirty="0"/>
-              <a:t>Schraubenanzahl</a:t>
             </a:r>
           </a:p>
         </p:txBody>
@@ -9244,7 +9435,7 @@
         <p:spPr>
           <a:xfrm>
             <a:off x="1331933" y="2456449"/>
-            <a:ext cx="3422576" cy="1477328"/>
+            <a:ext cx="3422576" cy="1754326"/>
           </a:xfrm>
           <a:prstGeom prst="rect">
             <a:avLst/>
@@ -9281,12 +9472,8 @@
               <a:buChar char="•"/>
             </a:pPr>
             <a:r>
-              <a:rPr lang="de-DE"/>
-              <a:t>Noch größere </a:t>
-            </a:r>
-            <a:r>
               <a:rPr lang="de-DE" dirty="0"/>
-              <a:t>Produktpalette</a:t>
+              <a:t>Noch größere Produktpalette</a:t>
             </a:r>
           </a:p>
           <a:p>
@@ -9297,6 +9484,16 @@
             <a:r>
               <a:rPr lang="de-DE" dirty="0"/>
               <a:t>Log-In</a:t>
+            </a:r>
+          </a:p>
+          <a:p>
+            <a:pPr marL="285750" indent="-285750">
+              <a:buFont typeface="Arial"/>
+              <a:buChar char="•"/>
+            </a:pPr>
+            <a:r>
+              <a:rPr lang="de-DE" dirty="0"/>
+              <a:t>Material</a:t>
             </a:r>
           </a:p>
           <a:p>
@@ -9319,7 +9516,7 @@
         <p:spPr>
           <a:xfrm>
             <a:off x="6610100" y="3059190"/>
-            <a:ext cx="2743199" cy="646331"/>
+            <a:ext cx="2743199" cy="369332"/>
           </a:xfrm>
           <a:prstGeom prst="rect">
             <a:avLst/>
@@ -9338,16 +9535,6 @@
             <a:r>
               <a:rPr lang="de-DE" dirty="0"/>
               <a:t>Wünsche Kunde:</a:t>
-            </a:r>
-          </a:p>
-          <a:p>
-            <a:pPr marL="285750" indent="-285750">
-              <a:buFont typeface="Arial"/>
-              <a:buChar char="•"/>
-            </a:pPr>
-            <a:r>
-              <a:rPr lang="de-DE" dirty="0"/>
-              <a:t>Catia V5 API</a:t>
             </a:r>
           </a:p>
         </p:txBody>
@@ -10152,6 +10339,21 @@
 </file>
 
 <file path=customXml/item1.xml><?xml version="1.0" encoding="utf-8"?>
+<?mso-contentType ?>
+<FormTemplates xmlns="http://schemas.microsoft.com/sharepoint/v3/contenttype/forms">
+  <Display>DocumentLibraryForm</Display>
+  <Edit>DocumentLibraryForm</Edit>
+  <New>DocumentLibraryForm</New>
+</FormTemplates>
+</file>
+
+<file path=customXml/item2.xml><?xml version="1.0" encoding="utf-8"?>
+<p:properties xmlns:p="http://schemas.microsoft.com/office/2006/metadata/properties" xmlns:xsi="http://www.w3.org/2001/XMLSchema-instance" xmlns:pc="http://schemas.microsoft.com/office/infopath/2007/PartnerControls">
+  <documentManagement/>
+</p:properties>
+</file>
+
+<file path=customXml/item3.xml><?xml version="1.0" encoding="utf-8"?>
 <ct:contentTypeSchema xmlns:ct="http://schemas.microsoft.com/office/2006/metadata/contentType" xmlns:ma="http://schemas.microsoft.com/office/2006/metadata/properties/metaAttributes" ct:_="" ma:_="" ma:contentTypeName="Document" ma:contentTypeID="0x0101007C1D5F340F01F94FA2FD29A5E6DC872E" ma:contentTypeVersion="0" ma:contentTypeDescription="Create a new document." ma:contentTypeScope="" ma:versionID="f583bd66513a361a730282b6a794e352">
   <xsd:schema xmlns:xsd="http://www.w3.org/2001/XMLSchema" xmlns:xs="http://www.w3.org/2001/XMLSchema" xmlns:p="http://schemas.microsoft.com/office/2006/metadata/properties" targetNamespace="http://schemas.microsoft.com/office/2006/metadata/properties" ma:root="true" ma:fieldsID="6841151cf538834e171094e4faaf2d73">
     <xsd:element name="properties">
@@ -10265,33 +10467,10 @@
 </ct:contentTypeSchema>
 </file>
 
-<file path=customXml/item2.xml><?xml version="1.0" encoding="utf-8"?>
-<p:properties xmlns:p="http://schemas.microsoft.com/office/2006/metadata/properties" xmlns:xsi="http://www.w3.org/2001/XMLSchema-instance" xmlns:pc="http://schemas.microsoft.com/office/infopath/2007/PartnerControls">
-  <documentManagement/>
-</p:properties>
-</file>
-
-<file path=customXml/item3.xml><?xml version="1.0" encoding="utf-8"?>
-<?mso-contentType ?>
-<FormTemplates xmlns="http://schemas.microsoft.com/sharepoint/v3/contenttype/forms">
-  <Display>DocumentLibraryForm</Display>
-  <Edit>DocumentLibraryForm</Edit>
-  <New>DocumentLibraryForm</New>
-</FormTemplates>
-</file>
-
 <file path=customXml/itemProps1.xml><?xml version="1.0" encoding="utf-8"?>
-<ds:datastoreItem xmlns:ds="http://schemas.openxmlformats.org/officeDocument/2006/customXml" ds:itemID="{66A61CCE-2B92-4C9F-B2F8-A258F57499B7}">
+<ds:datastoreItem xmlns:ds="http://schemas.openxmlformats.org/officeDocument/2006/customXml" ds:itemID="{86E64CE5-9A2F-4A86-9018-E796DAC27755}">
   <ds:schemaRefs>
-    <ds:schemaRef ds:uri="http://schemas.microsoft.com/office/2006/metadata/contentType"/>
-    <ds:schemaRef ds:uri="http://schemas.microsoft.com/office/2006/metadata/properties/metaAttributes"/>
-    <ds:schemaRef ds:uri="http://www.w3.org/2001/XMLSchema"/>
-    <ds:schemaRef ds:uri="http://schemas.microsoft.com/office/2006/metadata/properties"/>
-    <ds:schemaRef ds:uri="http://schemas.openxmlformats.org/package/2006/metadata/core-properties"/>
-    <ds:schemaRef ds:uri="http://purl.org/dc/elements/1.1/"/>
-    <ds:schemaRef ds:uri="http://purl.org/dc/terms/"/>
-    <ds:schemaRef ds:uri="http://schemas.microsoft.com/internal/obd"/>
-    <ds:schemaRef ds:uri="http://schemas.microsoft.com/office/infopath/2007/PartnerControls"/>
+    <ds:schemaRef ds:uri="http://schemas.microsoft.com/sharepoint/v3/contenttype/forms"/>
   </ds:schemaRefs>
 </ds:datastoreItem>
 </file>
@@ -10306,9 +10485,17 @@
 </file>
 
 <file path=customXml/itemProps3.xml><?xml version="1.0" encoding="utf-8"?>
-<ds:datastoreItem xmlns:ds="http://schemas.openxmlformats.org/officeDocument/2006/customXml" ds:itemID="{86E64CE5-9A2F-4A86-9018-E796DAC27755}">
+<ds:datastoreItem xmlns:ds="http://schemas.openxmlformats.org/officeDocument/2006/customXml" ds:itemID="{66A61CCE-2B92-4C9F-B2F8-A258F57499B7}">
   <ds:schemaRefs>
-    <ds:schemaRef ds:uri="http://schemas.microsoft.com/sharepoint/v3/contenttype/forms"/>
+    <ds:schemaRef ds:uri="http://schemas.microsoft.com/office/2006/metadata/contentType"/>
+    <ds:schemaRef ds:uri="http://schemas.microsoft.com/office/2006/metadata/properties/metaAttributes"/>
+    <ds:schemaRef ds:uri="http://www.w3.org/2001/XMLSchema"/>
+    <ds:schemaRef ds:uri="http://schemas.microsoft.com/office/2006/metadata/properties"/>
+    <ds:schemaRef ds:uri="http://schemas.openxmlformats.org/package/2006/metadata/core-properties"/>
+    <ds:schemaRef ds:uri="http://purl.org/dc/elements/1.1/"/>
+    <ds:schemaRef ds:uri="http://purl.org/dc/terms/"/>
+    <ds:schemaRef ds:uri="http://schemas.microsoft.com/internal/obd"/>
+    <ds:schemaRef ds:uri="http://schemas.microsoft.com/office/infopath/2007/PartnerControls"/>
   </ds:schemaRefs>
 </ds:datastoreItem>
 </file>